--- a/無人自助旅店期初報告.pptx
+++ b/無人自助旅店期初報告.pptx
@@ -5,10 +5,10 @@
     <p:sldMasterId id="2147483840" r:id="rId4"/>
   </p:sldMasterIdLst>
   <p:notesMasterIdLst>
-    <p:notesMasterId r:id="rId13"/>
+    <p:notesMasterId r:id="rId14"/>
   </p:notesMasterIdLst>
   <p:handoutMasterIdLst>
-    <p:handoutMasterId r:id="rId14"/>
+    <p:handoutMasterId r:id="rId15"/>
   </p:handoutMasterIdLst>
   <p:sldIdLst>
     <p:sldId id="256" r:id="rId5"/>
@@ -17,8 +17,9 @@
     <p:sldId id="266" r:id="rId8"/>
     <p:sldId id="259" r:id="rId9"/>
     <p:sldId id="264" r:id="rId10"/>
-    <p:sldId id="265" r:id="rId11"/>
-    <p:sldId id="260" r:id="rId12"/>
+    <p:sldId id="267" r:id="rId11"/>
+    <p:sldId id="265" r:id="rId12"/>
+    <p:sldId id="260" r:id="rId13"/>
   </p:sldIdLst>
   <p:sldSz cx="12192000" cy="6858000"/>
   <p:notesSz cx="6858000" cy="9144000"/>
@@ -216,7 +217,7 @@
                 <a:latin typeface="Microsoft JhengHei UI" panose="020B0604030504040204" pitchFamily="34" charset="-120"/>
                 <a:ea typeface="Microsoft JhengHei UI" panose="020B0604030504040204" pitchFamily="34" charset="-120"/>
               </a:rPr>
-              <a:t>2024/7/11</a:t>
+              <a:t>2024/7/12</a:t>
             </a:fld>
             <a:endParaRPr lang="zh-TW" altLang="en-US" dirty="0">
               <a:latin typeface="Microsoft JhengHei UI" panose="020B0604030504040204" pitchFamily="34" charset="-120"/>
@@ -400,7 +401,7 @@
             <a:fld id="{E6E9EED9-0127-4FBD-A93C-DC61122A24A7}" type="datetime1">
               <a:rPr lang="zh-TW" altLang="en-US" smtClean="0"/>
               <a:pPr/>
-              <a:t>2024/7/11</a:t>
+              <a:t>2024/7/12</a:t>
             </a:fld>
             <a:endParaRPr lang="zh-TW" altLang="en-US" dirty="0"/>
           </a:p>
@@ -1265,7 +1266,7 @@
                 <a:latin typeface="Microsoft JhengHei UI" panose="020B0604030504040204" pitchFamily="34" charset="-120"/>
                 <a:ea typeface="Microsoft JhengHei UI" panose="020B0604030504040204" pitchFamily="34" charset="-120"/>
               </a:rPr>
-              <a:t>8</a:t>
+              <a:t>9</a:t>
             </a:fld>
             <a:endParaRPr lang="zh-TW" altLang="en-US" dirty="0">
               <a:latin typeface="Microsoft JhengHei UI" panose="020B0604030504040204" pitchFamily="34" charset="-120"/>
@@ -1418,7 +1419,7 @@
           <a:p>
             <a:fld id="{72E8DC12-3EDD-4576-A229-C632BD19E51B}" type="datetime1">
               <a:rPr lang="zh-TW" altLang="en-US" smtClean="0"/>
-              <a:t>2024/7/11</a:t>
+              <a:t>2024/7/12</a:t>
             </a:fld>
             <a:endParaRPr lang="zh-TW" altLang="en-US" dirty="0"/>
           </a:p>
@@ -1594,7 +1595,7 @@
           <a:p>
             <a:fld id="{BDC933DB-C293-4C93-A177-BA55781463B3}" type="datetime1">
               <a:rPr lang="zh-TW" altLang="en-US" smtClean="0"/>
-              <a:t>2024/7/11</a:t>
+              <a:t>2024/7/12</a:t>
             </a:fld>
             <a:endParaRPr lang="zh-TW" altLang="en-US" dirty="0"/>
           </a:p>
@@ -1780,7 +1781,7 @@
           <a:p>
             <a:fld id="{5C8F9985-BA86-4722-83A6-1A01E4A067EE}" type="datetime1">
               <a:rPr lang="zh-TW" altLang="en-US" smtClean="0"/>
-              <a:t>2024/7/11</a:t>
+              <a:t>2024/7/12</a:t>
             </a:fld>
             <a:endParaRPr lang="zh-TW" altLang="en-US" dirty="0"/>
           </a:p>
@@ -1956,7 +1957,7 @@
           <a:p>
             <a:fld id="{049A67FE-C077-437B-A0CD-829DD14808B9}" type="datetime1">
               <a:rPr lang="zh-TW" altLang="en-US" smtClean="0"/>
-              <a:t>2024/7/11</a:t>
+              <a:t>2024/7/12</a:t>
             </a:fld>
             <a:endParaRPr lang="zh-TW" altLang="en-US" dirty="0"/>
           </a:p>
@@ -2209,7 +2210,7 @@
           <a:p>
             <a:fld id="{E93783A1-1DB2-4BCC-B8B4-0EC372787024}" type="datetime1">
               <a:rPr lang="zh-TW" altLang="en-US" smtClean="0"/>
-              <a:t>2024/7/11</a:t>
+              <a:t>2024/7/12</a:t>
             </a:fld>
             <a:endParaRPr lang="zh-TW" altLang="en-US" dirty="0"/>
           </a:p>
@@ -2447,7 +2448,7 @@
           <a:p>
             <a:fld id="{049A67FE-C077-437B-A0CD-829DD14808B9}" type="datetime1">
               <a:rPr lang="zh-TW" altLang="en-US" smtClean="0"/>
-              <a:t>2024/7/11</a:t>
+              <a:t>2024/7/12</a:t>
             </a:fld>
             <a:endParaRPr lang="zh-TW" altLang="en-US" dirty="0"/>
           </a:p>
@@ -2821,7 +2822,7 @@
           <a:p>
             <a:fld id="{049A67FE-C077-437B-A0CD-829DD14808B9}" type="datetime1">
               <a:rPr lang="zh-TW" altLang="en-US" smtClean="0"/>
-              <a:t>2024/7/11</a:t>
+              <a:t>2024/7/12</a:t>
             </a:fld>
             <a:endParaRPr lang="zh-TW" altLang="en-US" dirty="0"/>
           </a:p>
@@ -2946,7 +2947,7 @@
           <a:p>
             <a:fld id="{43AC82BF-C068-416C-95F7-E8C1215BD5E1}" type="datetime1">
               <a:rPr lang="zh-TW" altLang="en-US" smtClean="0"/>
-              <a:t>2024/7/11</a:t>
+              <a:t>2024/7/12</a:t>
             </a:fld>
             <a:endParaRPr lang="zh-TW" altLang="en-US" dirty="0"/>
           </a:p>
@@ -3047,7 +3048,7 @@
           <a:p>
             <a:fld id="{1D37B2F8-9E55-4FAF-AC10-7D00EA74E34B}" type="datetime1">
               <a:rPr lang="zh-TW" altLang="en-US" smtClean="0"/>
-              <a:t>2024/7/11</a:t>
+              <a:t>2024/7/12</a:t>
             </a:fld>
             <a:endParaRPr lang="zh-TW" altLang="en-US" dirty="0"/>
           </a:p>
@@ -3330,7 +3331,7 @@
           <a:p>
             <a:fld id="{152445A0-C2A9-4E62-8F25-B271C701A76A}" type="datetime1">
               <a:rPr lang="zh-TW" altLang="en-US" smtClean="0"/>
-              <a:t>2024/7/11</a:t>
+              <a:t>2024/7/12</a:t>
             </a:fld>
             <a:endParaRPr lang="zh-TW" altLang="en-US" dirty="0"/>
           </a:p>
@@ -3589,7 +3590,7 @@
           <a:p>
             <a:fld id="{D5E3E318-1202-46BE-889E-DC2C9EE8B7C4}" type="datetime1">
               <a:rPr lang="zh-TW" altLang="en-US" smtClean="0"/>
-              <a:t>2024/7/11</a:t>
+              <a:t>2024/7/12</a:t>
             </a:fld>
             <a:endParaRPr lang="zh-TW" altLang="en-US" dirty="0"/>
           </a:p>
@@ -3808,7 +3809,7 @@
           <a:p>
             <a:fld id="{049A67FE-C077-437B-A0CD-829DD14808B9}" type="datetime1">
               <a:rPr lang="zh-TW" altLang="en-US" smtClean="0"/>
-              <a:t>2024/7/11</a:t>
+              <a:t>2024/7/12</a:t>
             </a:fld>
             <a:endParaRPr lang="zh-TW" altLang="en-US" dirty="0"/>
           </a:p>
@@ -4578,11 +4579,6 @@
               </a:rPr>
               <a:t>什麼是無人自助旅店？</a:t>
             </a:r>
-            <a:endParaRPr lang="zh-TW" altLang="en-US" dirty="0">
-              <a:solidFill>
-                <a:schemeClr val="bg1"/>
-              </a:solidFill>
-            </a:endParaRPr>
           </a:p>
         </p:txBody>
       </p:sp>
@@ -4690,11 +4686,6 @@
               </a:rPr>
               <a:t>自助旅店是一種利用科技自動化服務的旅館概念。這類旅店通常不需要前台人員，而是透過自助機或手機應用程式來完成入住、退房、付款等流程。客人可以使用自助機進行辨識、取得房間鑰匙或輸入指紋等方式進行身份認證，進而進入房間。在無人自助旅店中，大多數服務如取得房間鑰匙、獲取資訊、解決問題等都是透過科技來完成，減少了人工成本和人力資源的使用。</a:t>
             </a:r>
-            <a:endParaRPr lang="zh-TW" altLang="en-US" sz="2400" dirty="0">
-              <a:solidFill>
-                <a:schemeClr val="bg1"/>
-              </a:solidFill>
-            </a:endParaRPr>
           </a:p>
         </p:txBody>
       </p:sp>
@@ -4817,19 +4808,31 @@
           </a:bodyPr>
           <a:lstStyle/>
           <a:p>
+            <a:pPr algn="ctr"/>
             <a:r>
               <a:rPr lang="zh-TW" altLang="en-US" dirty="0">
                 <a:solidFill>
                   <a:schemeClr val="bg1"/>
                 </a:solidFill>
               </a:rPr>
-              <a:t>目的和背景</a:t>
-            </a:r>
-            <a:endParaRPr lang="zh-TW" altLang="en-US" dirty="0">
-              <a:solidFill>
-                <a:schemeClr val="bg1"/>
-              </a:solidFill>
-            </a:endParaRPr>
+              <a:t>動機</a:t>
+            </a:r>
+            <a:r>
+              <a:rPr lang="zh-TW" altLang="en-US" dirty="0" smtClean="0">
+                <a:solidFill>
+                  <a:schemeClr val="bg1"/>
+                </a:solidFill>
+              </a:rPr>
+              <a:t>和</a:t>
+            </a:r>
+            <a:r>
+              <a:rPr lang="zh-TW" altLang="en-US" dirty="0">
+                <a:solidFill>
+                  <a:schemeClr val="bg1"/>
+                </a:solidFill>
+              </a:rPr>
+              <a:t>背景</a:t>
+            </a:r>
           </a:p>
         </p:txBody>
       </p:sp>
@@ -4864,7 +4867,15 @@
             </a:r>
             <a:r>
               <a:rPr lang="zh-TW" altLang="en-US" sz="2400" dirty="0" smtClean="0"/>
-              <a:t>我家裡以前是經營傳統飯店，所以曾經做了一段時間的管理者，在經過疫情和長時間的經營下，發現了許多不方便的問題，加上自身也常到外地旅遊辦理住宿，所以許多事情可以從客人與經營者的角度去看待，因此想利用網頁技術來改善遇到的狀況。</a:t>
+              <a:t>我家裡以前是經營傳統飯店，所以曾經做了一段時間的管理者，在經過疫情和長時間的經營下，發現了許多不方便的</a:t>
+            </a:r>
+            <a:r>
+              <a:rPr lang="zh-TW" altLang="en-US" sz="2400" dirty="0" smtClean="0"/>
+              <a:t>問題，</a:t>
+            </a:r>
+            <a:r>
+              <a:rPr lang="zh-TW" altLang="en-US" sz="2400" dirty="0" smtClean="0"/>
+              <a:t>加上自身也常到外地旅遊辦理住宿，所以許多事情可以從客人與經營者的角度去看待，因此想利用網頁技術來改善遇到的狀況。</a:t>
             </a:r>
             <a:endParaRPr lang="zh-TW" altLang="en-US" sz="2400" dirty="0"/>
           </a:p>
@@ -6229,6 +6240,82 @@
             <p:ph type="title"/>
           </p:nvPr>
         </p:nvSpPr>
+        <p:spPr/>
+        <p:txBody>
+          <a:bodyPr/>
+          <a:lstStyle/>
+          <a:p>
+            <a:pPr algn="ctr"/>
+            <a:r>
+              <a:rPr lang="zh-TW" altLang="en-US" dirty="0" smtClean="0"/>
+              <a:t>網站架構</a:t>
+            </a:r>
+            <a:r>
+              <a:rPr lang="zh-TW" altLang="en-US" dirty="0"/>
+              <a:t>圖</a:t>
+            </a:r>
+          </a:p>
+        </p:txBody>
+      </p:sp>
+      <p:sp>
+        <p:nvSpPr>
+          <p:cNvPr id="3" name="內容版面配置區 2"/>
+          <p:cNvSpPr>
+            <a:spLocks noGrp="1"/>
+          </p:cNvSpPr>
+          <p:nvPr>
+            <p:ph idx="1"/>
+          </p:nvPr>
+        </p:nvSpPr>
+        <p:spPr/>
+        <p:txBody>
+          <a:bodyPr/>
+          <a:lstStyle/>
+          <a:p>
+            <a:endParaRPr lang="zh-TW" altLang="en-US" dirty="0"/>
+          </a:p>
+        </p:txBody>
+      </p:sp>
+    </p:spTree>
+    <p:extLst>
+      <p:ext uri="{BB962C8B-B14F-4D97-AF65-F5344CB8AC3E}">
+        <p14:creationId xmlns:p14="http://schemas.microsoft.com/office/powerpoint/2010/main" val="3739821269"/>
+      </p:ext>
+    </p:extLst>
+  </p:cSld>
+  <p:clrMapOvr>
+    <a:masterClrMapping/>
+  </p:clrMapOvr>
+</p:sld>
+</file>
+
+<file path=ppt/slides/slide8.xml><?xml version="1.0" encoding="utf-8"?>
+<p:sld xmlns:a="http://schemas.openxmlformats.org/drawingml/2006/main" xmlns:r="http://schemas.openxmlformats.org/officeDocument/2006/relationships" xmlns:p="http://schemas.openxmlformats.org/presentationml/2006/main">
+  <p:cSld>
+    <p:spTree>
+      <p:nvGrpSpPr>
+        <p:cNvPr id="1" name=""/>
+        <p:cNvGrpSpPr/>
+        <p:nvPr/>
+      </p:nvGrpSpPr>
+      <p:grpSpPr>
+        <a:xfrm>
+          <a:off x="0" y="0"/>
+          <a:ext cx="0" cy="0"/>
+          <a:chOff x="0" y="0"/>
+          <a:chExt cx="0" cy="0"/>
+        </a:xfrm>
+      </p:grpSpPr>
+      <p:sp>
+        <p:nvSpPr>
+          <p:cNvPr id="2" name="標題 1"/>
+          <p:cNvSpPr>
+            <a:spLocks noGrp="1"/>
+          </p:cNvSpPr>
+          <p:nvPr>
+            <p:ph type="title"/>
+          </p:nvPr>
+        </p:nvSpPr>
         <p:spPr>
           <a:xfrm>
             <a:off x="2231136" y="399427"/>
@@ -6289,7 +6376,7 @@
 </p:sld>
 </file>
 
-<file path=ppt/slides/slide8.xml><?xml version="1.0" encoding="utf-8"?>
+<file path=ppt/slides/slide9.xml><?xml version="1.0" encoding="utf-8"?>
 <p:sld xmlns:a="http://schemas.openxmlformats.org/drawingml/2006/main" xmlns:r="http://schemas.openxmlformats.org/officeDocument/2006/relationships" xmlns:p="http://schemas.openxmlformats.org/presentationml/2006/main">
   <p:cSld>
     <p:bg>
@@ -6368,17 +6455,7 @@
                 <a:latin typeface="Microsoft JhengHei UI" panose="020B0604030504040204" pitchFamily="34" charset="-120"/>
                 <a:ea typeface="Microsoft JhengHei UI" panose="020B0604030504040204" pitchFamily="34" charset="-120"/>
               </a:rPr>
-              <a:t>感謝</a:t>
-            </a:r>
-            <a:r>
-              <a:rPr lang="zh-TW" altLang="en-US" dirty="0" smtClean="0">
-                <a:solidFill>
-                  <a:schemeClr val="bg1"/>
-                </a:solidFill>
-                <a:latin typeface="Microsoft JhengHei UI" panose="020B0604030504040204" pitchFamily="34" charset="-120"/>
-                <a:ea typeface="Microsoft JhengHei UI" panose="020B0604030504040204" pitchFamily="34" charset="-120"/>
-              </a:rPr>
-              <a:t>您的聆聽</a:t>
+              <a:t>感謝您的聆聽</a:t>
             </a:r>
             <a:endParaRPr lang="zh-TW" altLang="en-US" dirty="0">
               <a:solidFill>
@@ -7433,20 +7510,20 @@
 </file>
 
 <file path=customXml/item2.xml><?xml version="1.0" encoding="utf-8"?>
+<p:properties xmlns:p="http://schemas.microsoft.com/office/2006/metadata/properties" xmlns:xsi="http://www.w3.org/2001/XMLSchema-instance" xmlns:pc="http://schemas.microsoft.com/office/infopath/2007/PartnerControls">
+  <documentManagement>
+    <MediaServiceKeyPoints xmlns="71af3243-3dd4-4a8d-8c0d-dd76da1f02a5" xsi:nil="true"/>
+  </documentManagement>
+</p:properties>
+</file>
+
+<file path=customXml/item3.xml><?xml version="1.0" encoding="utf-8"?>
 <?mso-contentType ?>
 <FormTemplates xmlns="http://schemas.microsoft.com/sharepoint/v3/contenttype/forms">
   <Display>DocumentLibraryForm</Display>
   <Edit>DocumentLibraryForm</Edit>
   <New>DocumentLibraryForm</New>
 </FormTemplates>
-</file>
-
-<file path=customXml/item3.xml><?xml version="1.0" encoding="utf-8"?>
-<p:properties xmlns:p="http://schemas.microsoft.com/office/2006/metadata/properties" xmlns:xsi="http://www.w3.org/2001/XMLSchema-instance" xmlns:pc="http://schemas.microsoft.com/office/infopath/2007/PartnerControls">
-  <documentManagement>
-    <MediaServiceKeyPoints xmlns="71af3243-3dd4-4a8d-8c0d-dd76da1f02a5" xsi:nil="true"/>
-  </documentManagement>
-</p:properties>
 </file>
 
 <file path=customXml/itemProps1.xml><?xml version="1.0" encoding="utf-8"?>
@@ -7469,14 +7546,6 @@
 </file>
 
 <file path=customXml/itemProps2.xml><?xml version="1.0" encoding="utf-8"?>
-<ds:datastoreItem xmlns:ds="http://schemas.openxmlformats.org/officeDocument/2006/customXml" ds:itemID="{3E17AD15-0DEB-4851-82A2-261C041346DD}">
-  <ds:schemaRefs>
-    <ds:schemaRef ds:uri="http://schemas.microsoft.com/sharepoint/v3/contenttype/forms"/>
-  </ds:schemaRefs>
-</ds:datastoreItem>
-</file>
-
-<file path=customXml/itemProps3.xml><?xml version="1.0" encoding="utf-8"?>
 <ds:datastoreItem xmlns:ds="http://schemas.openxmlformats.org/officeDocument/2006/customXml" ds:itemID="{620ED59B-F67D-4B99-A0A7-E5237FF58100}">
   <ds:schemaRefs>
     <ds:schemaRef ds:uri="http://www.w3.org/XML/1998/namespace"/>
@@ -7491,4 +7560,12 @@
     <ds:schemaRef ds:uri="http://purl.org/dc/terms/"/>
   </ds:schemaRefs>
 </ds:datastoreItem>
+</file>
+
+<file path=customXml/itemProps3.xml><?xml version="1.0" encoding="utf-8"?>
+<ds:datastoreItem xmlns:ds="http://schemas.openxmlformats.org/officeDocument/2006/customXml" ds:itemID="{3E17AD15-0DEB-4851-82A2-261C041346DD}">
+  <ds:schemaRefs>
+    <ds:schemaRef ds:uri="http://schemas.microsoft.com/sharepoint/v3/contenttype/forms"/>
+  </ds:schemaRefs>
+</ds:datastoreItem>
 </file>
--- a/無人自助旅店期初報告.pptx
+++ b/無人自助旅店期初報告.pptx
@@ -25,7 +25,7 @@
   <p:notesSz cx="6858000" cy="9144000"/>
   <p:defaultTextStyle>
     <a:defPPr rtl="0">
-      <a:defRPr lang="zh-tw"/>
+      <a:defRPr lang="zh-TW"/>
     </a:defPPr>
     <a:lvl1pPr marL="0" algn="l" defTabSz="457200" rtl="0" eaLnBrk="1" latinLnBrk="0" hangingPunct="1">
       <a:defRPr sz="1800" kern="1200">
@@ -217,7 +217,7 @@
                 <a:latin typeface="Microsoft JhengHei UI" panose="020B0604030504040204" pitchFamily="34" charset="-120"/>
                 <a:ea typeface="Microsoft JhengHei UI" panose="020B0604030504040204" pitchFamily="34" charset="-120"/>
               </a:rPr>
-              <a:t>2024/7/12</a:t>
+              <a:t>2024/7/14</a:t>
             </a:fld>
             <a:endParaRPr lang="zh-TW" altLang="en-US" dirty="0">
               <a:latin typeface="Microsoft JhengHei UI" panose="020B0604030504040204" pitchFamily="34" charset="-120"/>
@@ -401,7 +401,7 @@
             <a:fld id="{E6E9EED9-0127-4FBD-A93C-DC61122A24A7}" type="datetime1">
               <a:rPr lang="zh-TW" altLang="en-US" smtClean="0"/>
               <a:pPr/>
-              <a:t>2024/7/12</a:t>
+              <a:t>2024/7/14</a:t>
             </a:fld>
             <a:endParaRPr lang="zh-TW" altLang="en-US" dirty="0"/>
           </a:p>
@@ -1419,7 +1419,7 @@
           <a:p>
             <a:fld id="{72E8DC12-3EDD-4576-A229-C632BD19E51B}" type="datetime1">
               <a:rPr lang="zh-TW" altLang="en-US" smtClean="0"/>
-              <a:t>2024/7/12</a:t>
+              <a:t>2024/7/14</a:t>
             </a:fld>
             <a:endParaRPr lang="zh-TW" altLang="en-US" dirty="0"/>
           </a:p>
@@ -1595,7 +1595,7 @@
           <a:p>
             <a:fld id="{BDC933DB-C293-4C93-A177-BA55781463B3}" type="datetime1">
               <a:rPr lang="zh-TW" altLang="en-US" smtClean="0"/>
-              <a:t>2024/7/12</a:t>
+              <a:t>2024/7/14</a:t>
             </a:fld>
             <a:endParaRPr lang="zh-TW" altLang="en-US" dirty="0"/>
           </a:p>
@@ -1781,7 +1781,7 @@
           <a:p>
             <a:fld id="{5C8F9985-BA86-4722-83A6-1A01E4A067EE}" type="datetime1">
               <a:rPr lang="zh-TW" altLang="en-US" smtClean="0"/>
-              <a:t>2024/7/12</a:t>
+              <a:t>2024/7/14</a:t>
             </a:fld>
             <a:endParaRPr lang="zh-TW" altLang="en-US" dirty="0"/>
           </a:p>
@@ -1957,7 +1957,7 @@
           <a:p>
             <a:fld id="{049A67FE-C077-437B-A0CD-829DD14808B9}" type="datetime1">
               <a:rPr lang="zh-TW" altLang="en-US" smtClean="0"/>
-              <a:t>2024/7/12</a:t>
+              <a:t>2024/7/14</a:t>
             </a:fld>
             <a:endParaRPr lang="zh-TW" altLang="en-US" dirty="0"/>
           </a:p>
@@ -2210,7 +2210,7 @@
           <a:p>
             <a:fld id="{E93783A1-1DB2-4BCC-B8B4-0EC372787024}" type="datetime1">
               <a:rPr lang="zh-TW" altLang="en-US" smtClean="0"/>
-              <a:t>2024/7/12</a:t>
+              <a:t>2024/7/14</a:t>
             </a:fld>
             <a:endParaRPr lang="zh-TW" altLang="en-US" dirty="0"/>
           </a:p>
@@ -2448,7 +2448,7 @@
           <a:p>
             <a:fld id="{049A67FE-C077-437B-A0CD-829DD14808B9}" type="datetime1">
               <a:rPr lang="zh-TW" altLang="en-US" smtClean="0"/>
-              <a:t>2024/7/12</a:t>
+              <a:t>2024/7/14</a:t>
             </a:fld>
             <a:endParaRPr lang="zh-TW" altLang="en-US" dirty="0"/>
           </a:p>
@@ -2822,7 +2822,7 @@
           <a:p>
             <a:fld id="{049A67FE-C077-437B-A0CD-829DD14808B9}" type="datetime1">
               <a:rPr lang="zh-TW" altLang="en-US" smtClean="0"/>
-              <a:t>2024/7/12</a:t>
+              <a:t>2024/7/14</a:t>
             </a:fld>
             <a:endParaRPr lang="zh-TW" altLang="en-US" dirty="0"/>
           </a:p>
@@ -2947,7 +2947,7 @@
           <a:p>
             <a:fld id="{43AC82BF-C068-416C-95F7-E8C1215BD5E1}" type="datetime1">
               <a:rPr lang="zh-TW" altLang="en-US" smtClean="0"/>
-              <a:t>2024/7/12</a:t>
+              <a:t>2024/7/14</a:t>
             </a:fld>
             <a:endParaRPr lang="zh-TW" altLang="en-US" dirty="0"/>
           </a:p>
@@ -3048,7 +3048,7 @@
           <a:p>
             <a:fld id="{1D37B2F8-9E55-4FAF-AC10-7D00EA74E34B}" type="datetime1">
               <a:rPr lang="zh-TW" altLang="en-US" smtClean="0"/>
-              <a:t>2024/7/12</a:t>
+              <a:t>2024/7/14</a:t>
             </a:fld>
             <a:endParaRPr lang="zh-TW" altLang="en-US" dirty="0"/>
           </a:p>
@@ -3331,7 +3331,7 @@
           <a:p>
             <a:fld id="{152445A0-C2A9-4E62-8F25-B271C701A76A}" type="datetime1">
               <a:rPr lang="zh-TW" altLang="en-US" smtClean="0"/>
-              <a:t>2024/7/12</a:t>
+              <a:t>2024/7/14</a:t>
             </a:fld>
             <a:endParaRPr lang="zh-TW" altLang="en-US" dirty="0"/>
           </a:p>
@@ -3590,7 +3590,7 @@
           <a:p>
             <a:fld id="{D5E3E318-1202-46BE-889E-DC2C9EE8B7C4}" type="datetime1">
               <a:rPr lang="zh-TW" altLang="en-US" smtClean="0"/>
-              <a:t>2024/7/12</a:t>
+              <a:t>2024/7/14</a:t>
             </a:fld>
             <a:endParaRPr lang="zh-TW" altLang="en-US" dirty="0"/>
           </a:p>
@@ -3809,7 +3809,7 @@
           <a:p>
             <a:fld id="{049A67FE-C077-437B-A0CD-829DD14808B9}" type="datetime1">
               <a:rPr lang="zh-TW" altLang="en-US" smtClean="0"/>
-              <a:t>2024/7/12</a:t>
+              <a:t>2024/7/14</a:t>
             </a:fld>
             <a:endParaRPr lang="zh-TW" altLang="en-US" dirty="0"/>
           </a:p>
@@ -4274,7 +4274,7 @@
           <p:cNvPr id="2" name="標題 1">
             <a:extLst>
               <a:ext uri="{FF2B5EF4-FFF2-40B4-BE49-F238E27FC236}">
-                <a16:creationId xmlns:a16="http://schemas.microsoft.com/office/drawing/2014/main" id="{050E78D6-F072-48E7-8270-20EFBDD26F36}"/>
+                <a16:creationId xmlns:a16="http://schemas.microsoft.com/office/drawing/2014/main" xmlns="" id="{050E78D6-F072-48E7-8270-20EFBDD26F36}"/>
               </a:ext>
             </a:extLst>
           </p:cNvPr>
@@ -4344,7 +4344,7 @@
           <p:cNvPr id="3" name="副標題 2">
             <a:extLst>
               <a:ext uri="{FF2B5EF4-FFF2-40B4-BE49-F238E27FC236}">
-                <a16:creationId xmlns:a16="http://schemas.microsoft.com/office/drawing/2014/main" id="{3FC7BD98-5486-489C-BAA0-A69CEFF691B3}"/>
+                <a16:creationId xmlns:a16="http://schemas.microsoft.com/office/drawing/2014/main" xmlns="" id="{3FC7BD98-5486-489C-BAA0-A69CEFF691B3}"/>
               </a:ext>
             </a:extLst>
           </p:cNvPr>
@@ -4422,7 +4422,7 @@
           <p:cNvPr id="5" name="圖片 4">
             <a:extLst>
               <a:ext uri="{FF2B5EF4-FFF2-40B4-BE49-F238E27FC236}">
-                <a16:creationId xmlns:a16="http://schemas.microsoft.com/office/drawing/2014/main" id="{112B9624-F8A1-4831-AE43-1D9E266CFF3E}"/>
+                <a16:creationId xmlns:a16="http://schemas.microsoft.com/office/drawing/2014/main" xmlns="" id="{112B9624-F8A1-4831-AE43-1D9E266CFF3E}"/>
               </a:ext>
             </a:extLst>
           </p:cNvPr>
@@ -4535,7 +4535,7 @@
           <p:cNvPr id="2" name="標題 1">
             <a:extLst>
               <a:ext uri="{FF2B5EF4-FFF2-40B4-BE49-F238E27FC236}">
-                <a16:creationId xmlns:a16="http://schemas.microsoft.com/office/drawing/2014/main" id="{9C9DE503-F7C2-4A40-83F4-4DE931E7D9DE}"/>
+                <a16:creationId xmlns:a16="http://schemas.microsoft.com/office/drawing/2014/main" xmlns="" id="{9C9DE503-F7C2-4A40-83F4-4DE931E7D9DE}"/>
               </a:ext>
             </a:extLst>
           </p:cNvPr>
@@ -4587,7 +4587,7 @@
           <p:cNvPr id="4" name="圖片 3" descr="金融交易數字">
             <a:extLst>
               <a:ext uri="{FF2B5EF4-FFF2-40B4-BE49-F238E27FC236}">
-                <a16:creationId xmlns:a16="http://schemas.microsoft.com/office/drawing/2014/main" id="{32F354A1-38C7-4598-A0E1-7A286A3019B8}"/>
+                <a16:creationId xmlns:a16="http://schemas.microsoft.com/office/drawing/2014/main" xmlns="" id="{32F354A1-38C7-4598-A0E1-7A286A3019B8}"/>
               </a:ext>
             </a:extLst>
           </p:cNvPr>
@@ -4772,7 +4772,7 @@
           <p:cNvPr id="2" name="標題 1">
             <a:extLst>
               <a:ext uri="{FF2B5EF4-FFF2-40B4-BE49-F238E27FC236}">
-                <a16:creationId xmlns:a16="http://schemas.microsoft.com/office/drawing/2014/main" id="{8EB78894-19E5-4916-B37E-B4A80B9B8D52}"/>
+                <a16:creationId xmlns:a16="http://schemas.microsoft.com/office/drawing/2014/main" xmlns="" id="{8EB78894-19E5-4916-B37E-B4A80B9B8D52}"/>
               </a:ext>
             </a:extLst>
           </p:cNvPr>
@@ -4867,15 +4867,7 @@
             </a:r>
             <a:r>
               <a:rPr lang="zh-TW" altLang="en-US" sz="2400" dirty="0" smtClean="0"/>
-              <a:t>我家裡以前是經營傳統飯店，所以曾經做了一段時間的管理者，在經過疫情和長時間的經營下，發現了許多不方便的</a:t>
-            </a:r>
-            <a:r>
-              <a:rPr lang="zh-TW" altLang="en-US" sz="2400" dirty="0" smtClean="0"/>
-              <a:t>問題，</a:t>
-            </a:r>
-            <a:r>
-              <a:rPr lang="zh-TW" altLang="en-US" sz="2400" dirty="0" smtClean="0"/>
-              <a:t>加上自身也常到外地旅遊辦理住宿，所以許多事情可以從客人與經營者的角度去看待，因此想利用網頁技術來改善遇到的狀況。</a:t>
+              <a:t>我家裡以前是經營傳統飯店，所以曾經做了一段時間的管理者，在經過疫情和長時間的經營下，發現了許多不方便的問題，加上自身也常到外地旅遊辦理住宿，所以許多事情可以從客人與經營者的角度去看待，因此想利用網頁技術來改善遇到的狀況。</a:t>
             </a:r>
             <a:endParaRPr lang="zh-TW" altLang="en-US" sz="2400" dirty="0"/>
           </a:p>
@@ -4997,7 +4989,7 @@
           <p:cNvPr id="6" name="標題 1">
             <a:extLst>
               <a:ext uri="{FF2B5EF4-FFF2-40B4-BE49-F238E27FC236}">
-                <a16:creationId xmlns:a16="http://schemas.microsoft.com/office/drawing/2014/main" id="{8EB78894-19E5-4916-B37E-B4A80B9B8D52}"/>
+                <a16:creationId xmlns:a16="http://schemas.microsoft.com/office/drawing/2014/main" xmlns="" id="{8EB78894-19E5-4916-B37E-B4A80B9B8D52}"/>
               </a:ext>
             </a:extLst>
           </p:cNvPr>
@@ -5204,7 +5196,7 @@
           <p:cNvPr id="2" name="標題 1">
             <a:extLst>
               <a:ext uri="{FF2B5EF4-FFF2-40B4-BE49-F238E27FC236}">
-                <a16:creationId xmlns:a16="http://schemas.microsoft.com/office/drawing/2014/main" id="{15115107-5DA3-4397-A1DA-67705DAE1EC2}"/>
+                <a16:creationId xmlns:a16="http://schemas.microsoft.com/office/drawing/2014/main" xmlns="" id="{15115107-5DA3-4397-A1DA-67705DAE1EC2}"/>
               </a:ext>
             </a:extLst>
           </p:cNvPr>
@@ -5303,7 +5295,7 @@
         </p:spPr>
         <p:txBody>
           <a:bodyPr>
-            <a:normAutofit/>
+            <a:normAutofit fontScale="92500" lnSpcReduction="10000"/>
           </a:bodyPr>
           <a:lstStyle/>
           <a:p>
@@ -5322,8 +5314,24 @@
                 <a:latin typeface="Microsoft JhengHei UI" panose="020B0604030504040204" pitchFamily="34" charset="-120"/>
                 <a:ea typeface="Microsoft JhengHei UI" panose="020B0604030504040204" pitchFamily="34" charset="-120"/>
               </a:rPr>
-              <a:t>人自助旅店的達成目的與功能</a:t>
-            </a:r>
+              <a:t>人自助旅店的達成目的與</a:t>
+            </a:r>
+            <a:r>
+              <a:rPr lang="zh-TW" altLang="en-US" sz="3200" dirty="0" smtClean="0">
+                <a:latin typeface="Microsoft JhengHei UI" panose="020B0604030504040204" pitchFamily="34" charset="-120"/>
+                <a:ea typeface="Microsoft JhengHei UI" panose="020B0604030504040204" pitchFamily="34" charset="-120"/>
+              </a:rPr>
+              <a:t>功能</a:t>
+            </a:r>
+            <a:endParaRPr lang="en-US" altLang="zh-TW" sz="3200" dirty="0" smtClean="0">
+              <a:latin typeface="Microsoft JhengHei UI" panose="020B0604030504040204" pitchFamily="34" charset="-120"/>
+              <a:ea typeface="Microsoft JhengHei UI" panose="020B0604030504040204" pitchFamily="34" charset="-120"/>
+            </a:endParaRPr>
+          </a:p>
+          <a:p>
+            <a:pPr marL="228600" lvl="1" indent="0" algn="ctr">
+              <a:buNone/>
+            </a:pPr>
             <a:endParaRPr lang="en-US" altLang="zh-TW" sz="3200" dirty="0" smtClean="0">
               <a:latin typeface="Microsoft JhengHei UI" panose="020B0604030504040204" pitchFamily="34" charset="-120"/>
               <a:ea typeface="Microsoft JhengHei UI" panose="020B0604030504040204" pitchFamily="34" charset="-120"/>
@@ -5352,7 +5360,30 @@
                 <a:latin typeface="Microsoft JhengHei UI" panose="020B0604030504040204" pitchFamily="34" charset="-120"/>
                 <a:ea typeface="Microsoft JhengHei UI" panose="020B0604030504040204" pitchFamily="34" charset="-120"/>
               </a:rPr>
-              <a:t>減少使用者與服務人員接觸，以及減少人工成本</a:t>
+              <a:t>減少使用者與服務人員接觸，以及減少人工</a:t>
+            </a:r>
+            <a:r>
+              <a:rPr lang="zh-TW" altLang="en-US" sz="2400" dirty="0" smtClean="0">
+                <a:latin typeface="Microsoft JhengHei UI" panose="020B0604030504040204" pitchFamily="34" charset="-120"/>
+                <a:ea typeface="Microsoft JhengHei UI" panose="020B0604030504040204" pitchFamily="34" charset="-120"/>
+              </a:rPr>
+              <a:t>成本</a:t>
+            </a:r>
+            <a:endParaRPr lang="en-US" altLang="zh-TW" sz="2400" dirty="0" smtClean="0">
+              <a:latin typeface="Microsoft JhengHei UI" panose="020B0604030504040204" pitchFamily="34" charset="-120"/>
+              <a:ea typeface="Microsoft JhengHei UI" panose="020B0604030504040204" pitchFamily="34" charset="-120"/>
+            </a:endParaRPr>
+          </a:p>
+          <a:p>
+            <a:pPr marL="228600" lvl="1" indent="0">
+              <a:buNone/>
+            </a:pPr>
+            <a:r>
+              <a:rPr lang="zh-TW" altLang="en-US" dirty="0" smtClean="0">
+                <a:latin typeface="Microsoft JhengHei UI" panose="020B0604030504040204" pitchFamily="34" charset="-120"/>
+                <a:ea typeface="Microsoft JhengHei UI" panose="020B0604030504040204" pitchFamily="34" charset="-120"/>
+              </a:rPr>
+              <a:t>和減少感染風險</a:t>
             </a:r>
             <a:endParaRPr lang="en-US" altLang="zh-TW" sz="2400" dirty="0" smtClean="0">
               <a:latin typeface="Microsoft JhengHei UI" panose="020B0604030504040204" pitchFamily="34" charset="-120"/>
@@ -5724,7 +5755,7 @@
           <p:cNvPr id="2" name="標題 1">
             <a:extLst>
               <a:ext uri="{FF2B5EF4-FFF2-40B4-BE49-F238E27FC236}">
-                <a16:creationId xmlns:a16="http://schemas.microsoft.com/office/drawing/2014/main" id="{8EB78894-19E5-4916-B37E-B4A80B9B8D52}"/>
+                <a16:creationId xmlns:a16="http://schemas.microsoft.com/office/drawing/2014/main" xmlns="" id="{8EB78894-19E5-4916-B37E-B4A80B9B8D52}"/>
               </a:ext>
             </a:extLst>
           </p:cNvPr>
@@ -6242,40 +6273,55 @@
         </p:nvSpPr>
         <p:spPr/>
         <p:txBody>
-          <a:bodyPr/>
+          <a:bodyPr>
+            <a:normAutofit/>
+          </a:bodyPr>
           <a:lstStyle/>
           <a:p>
             <a:pPr algn="ctr"/>
             <a:r>
-              <a:rPr lang="zh-TW" altLang="en-US" dirty="0" smtClean="0"/>
-              <a:t>網站架構</a:t>
-            </a:r>
-            <a:r>
-              <a:rPr lang="zh-TW" altLang="en-US" dirty="0"/>
-              <a:t>圖</a:t>
-            </a:r>
-          </a:p>
-        </p:txBody>
-      </p:sp>
-      <p:sp>
-        <p:nvSpPr>
-          <p:cNvPr id="3" name="內容版面配置區 2"/>
-          <p:cNvSpPr>
-            <a:spLocks noGrp="1"/>
-          </p:cNvSpPr>
+              <a:rPr lang="zh-TW" altLang="en-US" sz="3400" dirty="0" smtClean="0">
+                <a:latin typeface="Microsoft JhengHei UI" panose="020B0604030504040204" pitchFamily="34" charset="-120"/>
+                <a:ea typeface="Microsoft JhengHei UI" panose="020B0604030504040204" pitchFamily="34" charset="-120"/>
+              </a:rPr>
+              <a:t>網站架構圖</a:t>
+            </a:r>
+            <a:endParaRPr lang="zh-TW" altLang="en-US" sz="3400" dirty="0">
+              <a:latin typeface="Microsoft JhengHei UI" panose="020B0604030504040204" pitchFamily="34" charset="-120"/>
+              <a:ea typeface="Microsoft JhengHei UI" panose="020B0604030504040204" pitchFamily="34" charset="-120"/>
+            </a:endParaRPr>
+          </a:p>
+        </p:txBody>
+      </p:sp>
+      <p:pic>
+        <p:nvPicPr>
+          <p:cNvPr id="6" name="內容版面配置區 5"/>
+          <p:cNvPicPr>
+            <a:picLocks noGrp="1" noChangeAspect="1"/>
+          </p:cNvPicPr>
           <p:nvPr>
             <p:ph idx="1"/>
           </p:nvPr>
-        </p:nvSpPr>
-        <p:spPr/>
-        <p:txBody>
-          <a:bodyPr/>
-          <a:lstStyle/>
-          <a:p>
-            <a:endParaRPr lang="zh-TW" altLang="en-US" dirty="0"/>
-          </a:p>
-        </p:txBody>
-      </p:sp>
+        </p:nvPicPr>
+        <p:blipFill>
+          <a:blip r:embed="rId2">
+            <a:extLst>
+              <a:ext uri="{28A0092B-C50C-407E-A947-70E740481C1C}">
+                <a14:useLocalDpi xmlns:a14="http://schemas.microsoft.com/office/drawing/2010/main" val="0"/>
+              </a:ext>
+            </a:extLst>
+          </a:blip>
+          <a:stretch>
+            <a:fillRect/>
+          </a:stretch>
+        </p:blipFill>
+        <p:spPr>
+          <a:xfrm>
+            <a:off x="2137719" y="1356067"/>
+            <a:ext cx="9014573" cy="4865859"/>
+          </a:xfrm>
+        </p:spPr>
+      </p:pic>
     </p:spTree>
     <p:extLst>
       <p:ext uri="{BB962C8B-B14F-4D97-AF65-F5344CB8AC3E}">
@@ -6286,6 +6332,13 @@
   <p:clrMapOvr>
     <a:masterClrMapping/>
   </p:clrMapOvr>
+  <p:timing>
+    <p:tnLst>
+      <p:par>
+        <p:cTn id="1" dur="indefinite" restart="never" nodeType="tmRoot"/>
+      </p:par>
+    </p:tnLst>
+  </p:timing>
 </p:sld>
 </file>
 
@@ -6323,19 +6376,30 @@
           </a:xfrm>
         </p:spPr>
         <p:txBody>
-          <a:bodyPr/>
+          <a:bodyPr>
+            <a:normAutofit/>
+          </a:bodyPr>
           <a:lstStyle/>
           <a:p>
             <a:pPr algn="ctr"/>
             <a:r>
-              <a:rPr lang="zh-TW" altLang="en-US" dirty="0" smtClean="0"/>
+              <a:rPr lang="zh-TW" altLang="en-US" sz="3400" dirty="0" smtClean="0">
+                <a:latin typeface="Microsoft JhengHei UI" panose="020B0604030504040204" pitchFamily="34" charset="-120"/>
+                <a:ea typeface="Microsoft JhengHei UI" panose="020B0604030504040204" pitchFamily="34" charset="-120"/>
+              </a:rPr>
               <a:t>網站畫面</a:t>
             </a:r>
             <a:r>
-              <a:rPr lang="en-US" altLang="zh-TW" b="1" dirty="0" smtClean="0"/>
+              <a:rPr lang="en-US" altLang="zh-TW" sz="3400" b="1" dirty="0" smtClean="0">
+                <a:latin typeface="Microsoft JhengHei UI" panose="020B0604030504040204" pitchFamily="34" charset="-120"/>
+                <a:ea typeface="Microsoft JhengHei UI" panose="020B0604030504040204" pitchFamily="34" charset="-120"/>
+              </a:rPr>
               <a:t>wireframe</a:t>
             </a:r>
-            <a:endParaRPr lang="zh-TW" altLang="en-US" dirty="0"/>
+            <a:endParaRPr lang="zh-TW" altLang="en-US" sz="3400" dirty="0">
+              <a:latin typeface="Microsoft JhengHei UI" panose="020B0604030504040204" pitchFamily="34" charset="-120"/>
+              <a:ea typeface="Microsoft JhengHei UI" panose="020B0604030504040204" pitchFamily="34" charset="-120"/>
+            </a:endParaRPr>
           </a:p>
         </p:txBody>
       </p:sp>
@@ -6359,6 +6423,12 @@
           <a:bodyPr/>
           <a:lstStyle/>
           <a:p>
+            <a:r>
+              <a:rPr lang="en-US" altLang="zh-TW" dirty="0" smtClean="0">
+                <a:hlinkClick r:id="rId2" action="ppaction://hlinkfile"/>
+              </a:rPr>
+              <a:t>wireframe.pdf</a:t>
+            </a:r>
             <a:endParaRPr lang="zh-TW" altLang="en-US" dirty="0"/>
           </a:p>
         </p:txBody>
@@ -6373,6 +6443,13 @@
   <p:clrMapOvr>
     <a:masterClrMapping/>
   </p:clrMapOvr>
+  <p:timing>
+    <p:tnLst>
+      <p:par>
+        <p:cTn id="1" dur="indefinite" restart="never" nodeType="tmRoot"/>
+      </p:par>
+    </p:tnLst>
+  </p:timing>
 </p:sld>
 </file>
 
@@ -6409,7 +6486,7 @@
           <p:cNvPr id="2" name="標題 1">
             <a:extLst>
               <a:ext uri="{FF2B5EF4-FFF2-40B4-BE49-F238E27FC236}">
-                <a16:creationId xmlns:a16="http://schemas.microsoft.com/office/drawing/2014/main" id="{51F70220-677A-411B-B416-94321A555329}"/>
+                <a16:creationId xmlns:a16="http://schemas.microsoft.com/office/drawing/2014/main" xmlns="" id="{51F70220-677A-411B-B416-94321A555329}"/>
               </a:ext>
             </a:extLst>
           </p:cNvPr>
@@ -6472,7 +6549,7 @@
           <p:cNvPr id="4" name="圖片 3" descr="手拿著筆指向財務數字">
             <a:extLst>
               <a:ext uri="{FF2B5EF4-FFF2-40B4-BE49-F238E27FC236}">
-                <a16:creationId xmlns:a16="http://schemas.microsoft.com/office/drawing/2014/main" id="{AB2E0BE0-B684-4228-A4DF-58C8CAFFDF47}"/>
+                <a16:creationId xmlns:a16="http://schemas.microsoft.com/office/drawing/2014/main" xmlns="" id="{AB2E0BE0-B684-4228-A4DF-58C8CAFFDF47}"/>
               </a:ext>
             </a:extLst>
           </p:cNvPr>
@@ -6512,6 +6589,13 @@
   <p:clrMapOvr>
     <a:masterClrMapping/>
   </p:clrMapOvr>
+  <p:timing>
+    <p:tnLst>
+      <p:par>
+        <p:cTn id="1" dur="indefinite" restart="never" nodeType="tmRoot"/>
+      </p:par>
+    </p:tnLst>
+  </p:timing>
 </p:sld>
 </file>
 
@@ -7510,20 +7594,20 @@
 </file>
 
 <file path=customXml/item2.xml><?xml version="1.0" encoding="utf-8"?>
-<p:properties xmlns:p="http://schemas.microsoft.com/office/2006/metadata/properties" xmlns:xsi="http://www.w3.org/2001/XMLSchema-instance" xmlns:pc="http://schemas.microsoft.com/office/infopath/2007/PartnerControls">
-  <documentManagement>
-    <MediaServiceKeyPoints xmlns="71af3243-3dd4-4a8d-8c0d-dd76da1f02a5" xsi:nil="true"/>
-  </documentManagement>
-</p:properties>
-</file>
-
-<file path=customXml/item3.xml><?xml version="1.0" encoding="utf-8"?>
 <?mso-contentType ?>
 <FormTemplates xmlns="http://schemas.microsoft.com/sharepoint/v3/contenttype/forms">
   <Display>DocumentLibraryForm</Display>
   <Edit>DocumentLibraryForm</Edit>
   <New>DocumentLibraryForm</New>
 </FormTemplates>
+</file>
+
+<file path=customXml/item3.xml><?xml version="1.0" encoding="utf-8"?>
+<p:properties xmlns:p="http://schemas.microsoft.com/office/2006/metadata/properties" xmlns:xsi="http://www.w3.org/2001/XMLSchema-instance" xmlns:pc="http://schemas.microsoft.com/office/infopath/2007/PartnerControls">
+  <documentManagement>
+    <MediaServiceKeyPoints xmlns="71af3243-3dd4-4a8d-8c0d-dd76da1f02a5" xsi:nil="true"/>
+  </documentManagement>
+</p:properties>
 </file>
 
 <file path=customXml/itemProps1.xml><?xml version="1.0" encoding="utf-8"?>
@@ -7546,6 +7630,14 @@
 </file>
 
 <file path=customXml/itemProps2.xml><?xml version="1.0" encoding="utf-8"?>
+<ds:datastoreItem xmlns:ds="http://schemas.openxmlformats.org/officeDocument/2006/customXml" ds:itemID="{3E17AD15-0DEB-4851-82A2-261C041346DD}">
+  <ds:schemaRefs>
+    <ds:schemaRef ds:uri="http://schemas.microsoft.com/sharepoint/v3/contenttype/forms"/>
+  </ds:schemaRefs>
+</ds:datastoreItem>
+</file>
+
+<file path=customXml/itemProps3.xml><?xml version="1.0" encoding="utf-8"?>
 <ds:datastoreItem xmlns:ds="http://schemas.openxmlformats.org/officeDocument/2006/customXml" ds:itemID="{620ED59B-F67D-4B99-A0A7-E5237FF58100}">
   <ds:schemaRefs>
     <ds:schemaRef ds:uri="http://www.w3.org/XML/1998/namespace"/>
@@ -7560,12 +7652,4 @@
     <ds:schemaRef ds:uri="http://purl.org/dc/terms/"/>
   </ds:schemaRefs>
 </ds:datastoreItem>
-</file>
-
-<file path=customXml/itemProps3.xml><?xml version="1.0" encoding="utf-8"?>
-<ds:datastoreItem xmlns:ds="http://schemas.openxmlformats.org/officeDocument/2006/customXml" ds:itemID="{3E17AD15-0DEB-4851-82A2-261C041346DD}">
-  <ds:schemaRefs>
-    <ds:schemaRef ds:uri="http://schemas.microsoft.com/sharepoint/v3/contenttype/forms"/>
-  </ds:schemaRefs>
-</ds:datastoreItem>
 </file>
--- a/無人自助旅店期初報告.pptx
+++ b/無人自助旅店期初報告.pptx
@@ -5,10 +5,10 @@
     <p:sldMasterId id="2147483840" r:id="rId4"/>
   </p:sldMasterIdLst>
   <p:notesMasterIdLst>
-    <p:notesMasterId r:id="rId14"/>
+    <p:notesMasterId r:id="rId18"/>
   </p:notesMasterIdLst>
   <p:handoutMasterIdLst>
-    <p:handoutMasterId r:id="rId15"/>
+    <p:handoutMasterId r:id="rId19"/>
   </p:handoutMasterIdLst>
   <p:sldIdLst>
     <p:sldId id="256" r:id="rId5"/>
@@ -17,9 +17,13 @@
     <p:sldId id="266" r:id="rId8"/>
     <p:sldId id="259" r:id="rId9"/>
     <p:sldId id="264" r:id="rId10"/>
-    <p:sldId id="267" r:id="rId11"/>
-    <p:sldId id="265" r:id="rId12"/>
-    <p:sldId id="260" r:id="rId13"/>
+    <p:sldId id="270" r:id="rId11"/>
+    <p:sldId id="268" r:id="rId12"/>
+    <p:sldId id="272" r:id="rId13"/>
+    <p:sldId id="271" r:id="rId14"/>
+    <p:sldId id="267" r:id="rId15"/>
+    <p:sldId id="265" r:id="rId16"/>
+    <p:sldId id="260" r:id="rId17"/>
   </p:sldIdLst>
   <p:sldSz cx="12192000" cy="6858000"/>
   <p:notesSz cx="6858000" cy="9144000"/>
@@ -217,7 +221,7 @@
                 <a:latin typeface="Microsoft JhengHei UI" panose="020B0604030504040204" pitchFamily="34" charset="-120"/>
                 <a:ea typeface="Microsoft JhengHei UI" panose="020B0604030504040204" pitchFamily="34" charset="-120"/>
               </a:rPr>
-              <a:t>2024/7/14</a:t>
+              <a:t>2024/7/15</a:t>
             </a:fld>
             <a:endParaRPr lang="zh-TW" altLang="en-US" dirty="0">
               <a:latin typeface="Microsoft JhengHei UI" panose="020B0604030504040204" pitchFamily="34" charset="-120"/>
@@ -401,7 +405,7 @@
             <a:fld id="{E6E9EED9-0127-4FBD-A93C-DC61122A24A7}" type="datetime1">
               <a:rPr lang="zh-TW" altLang="en-US" smtClean="0"/>
               <a:pPr/>
-              <a:t>2024/7/14</a:t>
+              <a:t>2024/7/15</a:t>
             </a:fld>
             <a:endParaRPr lang="zh-TW" altLang="en-US" dirty="0"/>
           </a:p>
@@ -1266,7 +1270,100 @@
                 <a:latin typeface="Microsoft JhengHei UI" panose="020B0604030504040204" pitchFamily="34" charset="-120"/>
                 <a:ea typeface="Microsoft JhengHei UI" panose="020B0604030504040204" pitchFamily="34" charset="-120"/>
               </a:rPr>
-              <a:t>9</a:t>
+              <a:t>7</a:t>
+            </a:fld>
+            <a:endParaRPr lang="zh-TW" altLang="en-US" dirty="0">
+              <a:latin typeface="Microsoft JhengHei UI" panose="020B0604030504040204" pitchFamily="34" charset="-120"/>
+              <a:ea typeface="Microsoft JhengHei UI" panose="020B0604030504040204" pitchFamily="34" charset="-120"/>
+            </a:endParaRPr>
+          </a:p>
+        </p:txBody>
+      </p:sp>
+    </p:spTree>
+    <p:extLst>
+      <p:ext uri="{BB962C8B-B14F-4D97-AF65-F5344CB8AC3E}">
+        <p14:creationId xmlns:p14="http://schemas.microsoft.com/office/powerpoint/2010/main" val="3075954014"/>
+      </p:ext>
+    </p:extLst>
+  </p:cSld>
+  <p:clrMapOvr>
+    <a:masterClrMapping/>
+  </p:clrMapOvr>
+</p:notes>
+</file>
+
+<file path=ppt/notesSlides/notesSlide7.xml><?xml version="1.0" encoding="utf-8"?>
+<p:notes xmlns:a="http://schemas.openxmlformats.org/drawingml/2006/main" xmlns:r="http://schemas.openxmlformats.org/officeDocument/2006/relationships" xmlns:p="http://schemas.openxmlformats.org/presentationml/2006/main">
+  <p:cSld>
+    <p:spTree>
+      <p:nvGrpSpPr>
+        <p:cNvPr id="1" name=""/>
+        <p:cNvGrpSpPr/>
+        <p:nvPr/>
+      </p:nvGrpSpPr>
+      <p:grpSpPr>
+        <a:xfrm>
+          <a:off x="0" y="0"/>
+          <a:ext cx="0" cy="0"/>
+          <a:chOff x="0" y="0"/>
+          <a:chExt cx="0" cy="0"/>
+        </a:xfrm>
+      </p:grpSpPr>
+      <p:sp>
+        <p:nvSpPr>
+          <p:cNvPr id="2" name="投影片圖像版面配置區 1"/>
+          <p:cNvSpPr>
+            <a:spLocks noGrp="1" noRot="1" noChangeAspect="1"/>
+          </p:cNvSpPr>
+          <p:nvPr>
+            <p:ph type="sldImg"/>
+          </p:nvPr>
+        </p:nvSpPr>
+        <p:spPr/>
+      </p:sp>
+      <p:sp>
+        <p:nvSpPr>
+          <p:cNvPr id="3" name="備忘稿版面配置區 2"/>
+          <p:cNvSpPr>
+            <a:spLocks noGrp="1"/>
+          </p:cNvSpPr>
+          <p:nvPr>
+            <p:ph type="body" idx="1"/>
+          </p:nvPr>
+        </p:nvSpPr>
+        <p:spPr/>
+        <p:txBody>
+          <a:bodyPr/>
+          <a:lstStyle/>
+          <a:p>
+            <a:endParaRPr lang="zh-TW" altLang="en-US" dirty="0">
+              <a:latin typeface="Microsoft JhengHei UI" panose="020B0604030504040204" pitchFamily="34" charset="-120"/>
+              <a:ea typeface="Microsoft JhengHei UI" panose="020B0604030504040204" pitchFamily="34" charset="-120"/>
+            </a:endParaRPr>
+          </a:p>
+        </p:txBody>
+      </p:sp>
+      <p:sp>
+        <p:nvSpPr>
+          <p:cNvPr id="4" name="投影片編號版面配置區 3"/>
+          <p:cNvSpPr>
+            <a:spLocks noGrp="1"/>
+          </p:cNvSpPr>
+          <p:nvPr>
+            <p:ph type="sldNum" sz="quarter" idx="10"/>
+          </p:nvPr>
+        </p:nvSpPr>
+        <p:spPr/>
+        <p:txBody>
+          <a:bodyPr/>
+          <a:lstStyle/>
+          <a:p>
+            <a:fld id="{3128AB79-C561-43EA-B428-B9CD8DF856C1}" type="slidenum">
+              <a:rPr lang="en-US" altLang="zh-TW" smtClean="0">
+                <a:latin typeface="Microsoft JhengHei UI" panose="020B0604030504040204" pitchFamily="34" charset="-120"/>
+                <a:ea typeface="Microsoft JhengHei UI" panose="020B0604030504040204" pitchFamily="34" charset="-120"/>
+              </a:rPr>
+              <a:t>13</a:t>
             </a:fld>
             <a:endParaRPr lang="zh-TW" altLang="en-US" dirty="0">
               <a:latin typeface="Microsoft JhengHei UI" panose="020B0604030504040204" pitchFamily="34" charset="-120"/>
@@ -1419,7 +1516,7 @@
           <a:p>
             <a:fld id="{72E8DC12-3EDD-4576-A229-C632BD19E51B}" type="datetime1">
               <a:rPr lang="zh-TW" altLang="en-US" smtClean="0"/>
-              <a:t>2024/7/14</a:t>
+              <a:t>2024/7/15</a:t>
             </a:fld>
             <a:endParaRPr lang="zh-TW" altLang="en-US" dirty="0"/>
           </a:p>
@@ -1595,7 +1692,7 @@
           <a:p>
             <a:fld id="{BDC933DB-C293-4C93-A177-BA55781463B3}" type="datetime1">
               <a:rPr lang="zh-TW" altLang="en-US" smtClean="0"/>
-              <a:t>2024/7/14</a:t>
+              <a:t>2024/7/15</a:t>
             </a:fld>
             <a:endParaRPr lang="zh-TW" altLang="en-US" dirty="0"/>
           </a:p>
@@ -1781,7 +1878,7 @@
           <a:p>
             <a:fld id="{5C8F9985-BA86-4722-83A6-1A01E4A067EE}" type="datetime1">
               <a:rPr lang="zh-TW" altLang="en-US" smtClean="0"/>
-              <a:t>2024/7/14</a:t>
+              <a:t>2024/7/15</a:t>
             </a:fld>
             <a:endParaRPr lang="zh-TW" altLang="en-US" dirty="0"/>
           </a:p>
@@ -1957,7 +2054,7 @@
           <a:p>
             <a:fld id="{049A67FE-C077-437B-A0CD-829DD14808B9}" type="datetime1">
               <a:rPr lang="zh-TW" altLang="en-US" smtClean="0"/>
-              <a:t>2024/7/14</a:t>
+              <a:t>2024/7/15</a:t>
             </a:fld>
             <a:endParaRPr lang="zh-TW" altLang="en-US" dirty="0"/>
           </a:p>
@@ -2210,7 +2307,7 @@
           <a:p>
             <a:fld id="{E93783A1-1DB2-4BCC-B8B4-0EC372787024}" type="datetime1">
               <a:rPr lang="zh-TW" altLang="en-US" smtClean="0"/>
-              <a:t>2024/7/14</a:t>
+              <a:t>2024/7/15</a:t>
             </a:fld>
             <a:endParaRPr lang="zh-TW" altLang="en-US" dirty="0"/>
           </a:p>
@@ -2448,7 +2545,7 @@
           <a:p>
             <a:fld id="{049A67FE-C077-437B-A0CD-829DD14808B9}" type="datetime1">
               <a:rPr lang="zh-TW" altLang="en-US" smtClean="0"/>
-              <a:t>2024/7/14</a:t>
+              <a:t>2024/7/15</a:t>
             </a:fld>
             <a:endParaRPr lang="zh-TW" altLang="en-US" dirty="0"/>
           </a:p>
@@ -2822,7 +2919,7 @@
           <a:p>
             <a:fld id="{049A67FE-C077-437B-A0CD-829DD14808B9}" type="datetime1">
               <a:rPr lang="zh-TW" altLang="en-US" smtClean="0"/>
-              <a:t>2024/7/14</a:t>
+              <a:t>2024/7/15</a:t>
             </a:fld>
             <a:endParaRPr lang="zh-TW" altLang="en-US" dirty="0"/>
           </a:p>
@@ -2947,7 +3044,7 @@
           <a:p>
             <a:fld id="{43AC82BF-C068-416C-95F7-E8C1215BD5E1}" type="datetime1">
               <a:rPr lang="zh-TW" altLang="en-US" smtClean="0"/>
-              <a:t>2024/7/14</a:t>
+              <a:t>2024/7/15</a:t>
             </a:fld>
             <a:endParaRPr lang="zh-TW" altLang="en-US" dirty="0"/>
           </a:p>
@@ -3048,7 +3145,7 @@
           <a:p>
             <a:fld id="{1D37B2F8-9E55-4FAF-AC10-7D00EA74E34B}" type="datetime1">
               <a:rPr lang="zh-TW" altLang="en-US" smtClean="0"/>
-              <a:t>2024/7/14</a:t>
+              <a:t>2024/7/15</a:t>
             </a:fld>
             <a:endParaRPr lang="zh-TW" altLang="en-US" dirty="0"/>
           </a:p>
@@ -3331,7 +3428,7 @@
           <a:p>
             <a:fld id="{152445A0-C2A9-4E62-8F25-B271C701A76A}" type="datetime1">
               <a:rPr lang="zh-TW" altLang="en-US" smtClean="0"/>
-              <a:t>2024/7/14</a:t>
+              <a:t>2024/7/15</a:t>
             </a:fld>
             <a:endParaRPr lang="zh-TW" altLang="en-US" dirty="0"/>
           </a:p>
@@ -3590,7 +3687,7 @@
           <a:p>
             <a:fld id="{D5E3E318-1202-46BE-889E-DC2C9EE8B7C4}" type="datetime1">
               <a:rPr lang="zh-TW" altLang="en-US" smtClean="0"/>
-              <a:t>2024/7/14</a:t>
+              <a:t>2024/7/15</a:t>
             </a:fld>
             <a:endParaRPr lang="zh-TW" altLang="en-US" dirty="0"/>
           </a:p>
@@ -3809,7 +3906,7 @@
           <a:p>
             <a:fld id="{049A67FE-C077-437B-A0CD-829DD14808B9}" type="datetime1">
               <a:rPr lang="zh-TW" altLang="en-US" smtClean="0"/>
-              <a:t>2024/7/14</a:t>
+              <a:t>2024/7/15</a:t>
             </a:fld>
             <a:endParaRPr lang="zh-TW" altLang="en-US" dirty="0"/>
           </a:p>
@@ -4274,7 +4371,7 @@
           <p:cNvPr id="2" name="標題 1">
             <a:extLst>
               <a:ext uri="{FF2B5EF4-FFF2-40B4-BE49-F238E27FC236}">
-                <a16:creationId xmlns:a16="http://schemas.microsoft.com/office/drawing/2014/main" xmlns="" id="{050E78D6-F072-48E7-8270-20EFBDD26F36}"/>
+                <a16:creationId xmlns:a16="http://schemas.microsoft.com/office/drawing/2014/main" id="{050E78D6-F072-48E7-8270-20EFBDD26F36}"/>
               </a:ext>
             </a:extLst>
           </p:cNvPr>
@@ -4344,7 +4441,7 @@
           <p:cNvPr id="3" name="副標題 2">
             <a:extLst>
               <a:ext uri="{FF2B5EF4-FFF2-40B4-BE49-F238E27FC236}">
-                <a16:creationId xmlns:a16="http://schemas.microsoft.com/office/drawing/2014/main" xmlns="" id="{3FC7BD98-5486-489C-BAA0-A69CEFF691B3}"/>
+                <a16:creationId xmlns:a16="http://schemas.microsoft.com/office/drawing/2014/main" id="{3FC7BD98-5486-489C-BAA0-A69CEFF691B3}"/>
               </a:ext>
             </a:extLst>
           </p:cNvPr>
@@ -4422,7 +4519,7 @@
           <p:cNvPr id="5" name="圖片 4">
             <a:extLst>
               <a:ext uri="{FF2B5EF4-FFF2-40B4-BE49-F238E27FC236}">
-                <a16:creationId xmlns:a16="http://schemas.microsoft.com/office/drawing/2014/main" xmlns="" id="{112B9624-F8A1-4831-AE43-1D9E266CFF3E}"/>
+                <a16:creationId xmlns:a16="http://schemas.microsoft.com/office/drawing/2014/main" id="{112B9624-F8A1-4831-AE43-1D9E266CFF3E}"/>
               </a:ext>
             </a:extLst>
           </p:cNvPr>
@@ -4465,6 +4562,572 @@
 </p:sld>
 </file>
 
+<file path=ppt/slides/slide10.xml><?xml version="1.0" encoding="utf-8"?>
+<p:sld xmlns:a="http://schemas.openxmlformats.org/drawingml/2006/main" xmlns:r="http://schemas.openxmlformats.org/officeDocument/2006/relationships" xmlns:p="http://schemas.openxmlformats.org/presentationml/2006/main">
+  <p:cSld>
+    <p:spTree>
+      <p:nvGrpSpPr>
+        <p:cNvPr id="1" name=""/>
+        <p:cNvGrpSpPr/>
+        <p:nvPr/>
+      </p:nvGrpSpPr>
+      <p:grpSpPr>
+        <a:xfrm>
+          <a:off x="0" y="0"/>
+          <a:ext cx="0" cy="0"/>
+          <a:chOff x="0" y="0"/>
+          <a:chExt cx="0" cy="0"/>
+        </a:xfrm>
+      </p:grpSpPr>
+      <p:sp>
+        <p:nvSpPr>
+          <p:cNvPr id="2" name="標題 1"/>
+          <p:cNvSpPr>
+            <a:spLocks noGrp="1"/>
+          </p:cNvSpPr>
+          <p:nvPr>
+            <p:ph type="title"/>
+          </p:nvPr>
+        </p:nvSpPr>
+        <p:spPr/>
+        <p:txBody>
+          <a:bodyPr>
+            <a:normAutofit/>
+          </a:bodyPr>
+          <a:lstStyle/>
+          <a:p>
+            <a:pPr algn="ctr"/>
+            <a:r>
+              <a:rPr lang="zh-TW" altLang="en-US" sz="3400" dirty="0" smtClean="0">
+                <a:latin typeface="Microsoft JhengHei UI" panose="020B0604030504040204" pitchFamily="34" charset="-120"/>
+                <a:ea typeface="Microsoft JhengHei UI" panose="020B0604030504040204" pitchFamily="34" charset="-120"/>
+              </a:rPr>
+              <a:t>使用技術</a:t>
+            </a:r>
+            <a:endParaRPr lang="zh-TW" altLang="en-US" sz="3400" dirty="0">
+              <a:latin typeface="Microsoft JhengHei UI" panose="020B0604030504040204" pitchFamily="34" charset="-120"/>
+              <a:ea typeface="Microsoft JhengHei UI" panose="020B0604030504040204" pitchFamily="34" charset="-120"/>
+            </a:endParaRPr>
+          </a:p>
+        </p:txBody>
+      </p:sp>
+      <p:pic>
+        <p:nvPicPr>
+          <p:cNvPr id="1026" name="Picture 2" descr="Node.js 和NPM 是什麼？跟JavaScript 有什麼關係- ALPHA Camp"/>
+          <p:cNvPicPr>
+            <a:picLocks noGrp="1" noChangeAspect="1" noChangeArrowheads="1"/>
+          </p:cNvPicPr>
+          <p:nvPr>
+            <p:ph idx="1"/>
+          </p:nvPr>
+        </p:nvPicPr>
+        <p:blipFill>
+          <a:blip r:embed="rId2">
+            <a:extLst>
+              <a:ext uri="{28A0092B-C50C-407E-A947-70E740481C1C}">
+                <a14:useLocalDpi xmlns:a14="http://schemas.microsoft.com/office/drawing/2010/main" val="0"/>
+              </a:ext>
+            </a:extLst>
+          </a:blip>
+          <a:srcRect/>
+          <a:stretch>
+            <a:fillRect/>
+          </a:stretch>
+        </p:blipFill>
+        <p:spPr bwMode="auto">
+          <a:xfrm>
+            <a:off x="1330819" y="1562792"/>
+            <a:ext cx="3803982" cy="2535988"/>
+          </a:xfrm>
+          <a:prstGeom prst="rect">
+            <a:avLst/>
+          </a:prstGeom>
+          <a:noFill/>
+          <a:extLst>
+            <a:ext uri="{909E8E84-426E-40DD-AFC4-6F175D3DCCD1}">
+              <a14:hiddenFill xmlns:a14="http://schemas.microsoft.com/office/drawing/2010/main">
+                <a:solidFill>
+                  <a:srgbClr val="FFFFFF"/>
+                </a:solidFill>
+              </a14:hiddenFill>
+            </a:ext>
+          </a:extLst>
+        </p:spPr>
+      </p:pic>
+      <p:pic>
+        <p:nvPicPr>
+          <p:cNvPr id="1028" name="Picture 4" descr="MongoDB - 維基百科，自由的百科全書"/>
+          <p:cNvPicPr>
+            <a:picLocks noChangeAspect="1" noChangeArrowheads="1"/>
+          </p:cNvPicPr>
+          <p:nvPr/>
+        </p:nvPicPr>
+        <p:blipFill>
+          <a:blip r:embed="rId3">
+            <a:extLst>
+              <a:ext uri="{28A0092B-C50C-407E-A947-70E740481C1C}">
+                <a14:useLocalDpi xmlns:a14="http://schemas.microsoft.com/office/drawing/2010/main" val="0"/>
+              </a:ext>
+            </a:extLst>
+          </a:blip>
+          <a:srcRect/>
+          <a:stretch>
+            <a:fillRect/>
+          </a:stretch>
+        </p:blipFill>
+        <p:spPr bwMode="auto">
+          <a:xfrm>
+            <a:off x="6800325" y="2107362"/>
+            <a:ext cx="3598898" cy="1199633"/>
+          </a:xfrm>
+          <a:prstGeom prst="rect">
+            <a:avLst/>
+          </a:prstGeom>
+          <a:noFill/>
+          <a:extLst>
+            <a:ext uri="{909E8E84-426E-40DD-AFC4-6F175D3DCCD1}">
+              <a14:hiddenFill xmlns:a14="http://schemas.microsoft.com/office/drawing/2010/main">
+                <a:solidFill>
+                  <a:srgbClr val="FFFFFF"/>
+                </a:solidFill>
+              </a14:hiddenFill>
+            </a:ext>
+          </a:extLst>
+        </p:spPr>
+      </p:pic>
+      <p:pic>
+        <p:nvPicPr>
+          <p:cNvPr id="4" name="圖片 3"/>
+          <p:cNvPicPr>
+            <a:picLocks noChangeAspect="1"/>
+          </p:cNvPicPr>
+          <p:nvPr/>
+        </p:nvPicPr>
+        <p:blipFill>
+          <a:blip r:embed="rId4"/>
+          <a:stretch>
+            <a:fillRect/>
+          </a:stretch>
+        </p:blipFill>
+        <p:spPr>
+          <a:xfrm>
+            <a:off x="6800324" y="4210689"/>
+            <a:ext cx="3740905" cy="1434306"/>
+          </a:xfrm>
+          <a:prstGeom prst="rect">
+            <a:avLst/>
+          </a:prstGeom>
+        </p:spPr>
+      </p:pic>
+      <p:pic>
+        <p:nvPicPr>
+          <p:cNvPr id="1036" name="Picture 12" descr="Change Vuetify Theme: Dark Mode and Light Mode | by Suryajaya Raka | Medium"/>
+          <p:cNvPicPr>
+            <a:picLocks noChangeAspect="1" noChangeArrowheads="1"/>
+          </p:cNvPicPr>
+          <p:nvPr/>
+        </p:nvPicPr>
+        <p:blipFill>
+          <a:blip r:embed="rId5">
+            <a:extLst>
+              <a:ext uri="{28A0092B-C50C-407E-A947-70E740481C1C}">
+                <a14:useLocalDpi xmlns:a14="http://schemas.microsoft.com/office/drawing/2010/main" val="0"/>
+              </a:ext>
+            </a:extLst>
+          </a:blip>
+          <a:srcRect/>
+          <a:stretch>
+            <a:fillRect/>
+          </a:stretch>
+        </p:blipFill>
+        <p:spPr bwMode="auto">
+          <a:xfrm>
+            <a:off x="1531786" y="4346659"/>
+            <a:ext cx="3402047" cy="1162366"/>
+          </a:xfrm>
+          <a:prstGeom prst="rect">
+            <a:avLst/>
+          </a:prstGeom>
+          <a:noFill/>
+          <a:extLst>
+            <a:ext uri="{909E8E84-426E-40DD-AFC4-6F175D3DCCD1}">
+              <a14:hiddenFill xmlns:a14="http://schemas.microsoft.com/office/drawing/2010/main">
+                <a:solidFill>
+                  <a:srgbClr val="FFFFFF"/>
+                </a:solidFill>
+              </a14:hiddenFill>
+            </a:ext>
+          </a:extLst>
+        </p:spPr>
+      </p:pic>
+    </p:spTree>
+    <p:extLst>
+      <p:ext uri="{BB962C8B-B14F-4D97-AF65-F5344CB8AC3E}">
+        <p14:creationId xmlns:p14="http://schemas.microsoft.com/office/powerpoint/2010/main" val="4272028045"/>
+      </p:ext>
+    </p:extLst>
+  </p:cSld>
+  <p:clrMapOvr>
+    <a:masterClrMapping/>
+  </p:clrMapOvr>
+</p:sld>
+</file>
+
+<file path=ppt/slides/slide11.xml><?xml version="1.0" encoding="utf-8"?>
+<p:sld xmlns:a="http://schemas.openxmlformats.org/drawingml/2006/main" xmlns:r="http://schemas.openxmlformats.org/officeDocument/2006/relationships" xmlns:p="http://schemas.openxmlformats.org/presentationml/2006/main">
+  <p:cSld>
+    <p:spTree>
+      <p:nvGrpSpPr>
+        <p:cNvPr id="1" name=""/>
+        <p:cNvGrpSpPr/>
+        <p:nvPr/>
+      </p:nvGrpSpPr>
+      <p:grpSpPr>
+        <a:xfrm>
+          <a:off x="0" y="0"/>
+          <a:ext cx="0" cy="0"/>
+          <a:chOff x="0" y="0"/>
+          <a:chExt cx="0" cy="0"/>
+        </a:xfrm>
+      </p:grpSpPr>
+      <p:sp>
+        <p:nvSpPr>
+          <p:cNvPr id="2" name="標題 1"/>
+          <p:cNvSpPr>
+            <a:spLocks noGrp="1"/>
+          </p:cNvSpPr>
+          <p:nvPr>
+            <p:ph type="title"/>
+          </p:nvPr>
+        </p:nvSpPr>
+        <p:spPr/>
+        <p:txBody>
+          <a:bodyPr>
+            <a:normAutofit/>
+          </a:bodyPr>
+          <a:lstStyle/>
+          <a:p>
+            <a:pPr algn="ctr"/>
+            <a:r>
+              <a:rPr lang="zh-TW" altLang="en-US" sz="3400" dirty="0" smtClean="0">
+                <a:latin typeface="Microsoft JhengHei UI" panose="020B0604030504040204" pitchFamily="34" charset="-120"/>
+                <a:ea typeface="Microsoft JhengHei UI" panose="020B0604030504040204" pitchFamily="34" charset="-120"/>
+              </a:rPr>
+              <a:t>網站架構圖</a:t>
+            </a:r>
+            <a:endParaRPr lang="zh-TW" altLang="en-US" sz="3400" dirty="0">
+              <a:latin typeface="Microsoft JhengHei UI" panose="020B0604030504040204" pitchFamily="34" charset="-120"/>
+              <a:ea typeface="Microsoft JhengHei UI" panose="020B0604030504040204" pitchFamily="34" charset="-120"/>
+            </a:endParaRPr>
+          </a:p>
+        </p:txBody>
+      </p:sp>
+      <p:pic>
+        <p:nvPicPr>
+          <p:cNvPr id="6" name="內容版面配置區 5"/>
+          <p:cNvPicPr>
+            <a:picLocks noGrp="1" noChangeAspect="1"/>
+          </p:cNvPicPr>
+          <p:nvPr>
+            <p:ph idx="1"/>
+          </p:nvPr>
+        </p:nvPicPr>
+        <p:blipFill>
+          <a:blip r:embed="rId2">
+            <a:extLst>
+              <a:ext uri="{28A0092B-C50C-407E-A947-70E740481C1C}">
+                <a14:useLocalDpi xmlns:a14="http://schemas.microsoft.com/office/drawing/2010/main" val="0"/>
+              </a:ext>
+            </a:extLst>
+          </a:blip>
+          <a:stretch>
+            <a:fillRect/>
+          </a:stretch>
+        </p:blipFill>
+        <p:spPr>
+          <a:xfrm>
+            <a:off x="2137719" y="1356067"/>
+            <a:ext cx="9014573" cy="4865859"/>
+          </a:xfrm>
+        </p:spPr>
+      </p:pic>
+    </p:spTree>
+    <p:extLst>
+      <p:ext uri="{BB962C8B-B14F-4D97-AF65-F5344CB8AC3E}">
+        <p14:creationId xmlns:p14="http://schemas.microsoft.com/office/powerpoint/2010/main" val="3739821269"/>
+      </p:ext>
+    </p:extLst>
+  </p:cSld>
+  <p:clrMapOvr>
+    <a:masterClrMapping/>
+  </p:clrMapOvr>
+  <p:timing>
+    <p:tnLst>
+      <p:par>
+        <p:cTn id="1" dur="indefinite" restart="never" nodeType="tmRoot"/>
+      </p:par>
+    </p:tnLst>
+  </p:timing>
+</p:sld>
+</file>
+
+<file path=ppt/slides/slide12.xml><?xml version="1.0" encoding="utf-8"?>
+<p:sld xmlns:a="http://schemas.openxmlformats.org/drawingml/2006/main" xmlns:r="http://schemas.openxmlformats.org/officeDocument/2006/relationships" xmlns:p="http://schemas.openxmlformats.org/presentationml/2006/main">
+  <p:cSld>
+    <p:spTree>
+      <p:nvGrpSpPr>
+        <p:cNvPr id="1" name=""/>
+        <p:cNvGrpSpPr/>
+        <p:nvPr/>
+      </p:nvGrpSpPr>
+      <p:grpSpPr>
+        <a:xfrm>
+          <a:off x="0" y="0"/>
+          <a:ext cx="0" cy="0"/>
+          <a:chOff x="0" y="0"/>
+          <a:chExt cx="0" cy="0"/>
+        </a:xfrm>
+      </p:grpSpPr>
+      <p:sp>
+        <p:nvSpPr>
+          <p:cNvPr id="2" name="標題 1"/>
+          <p:cNvSpPr>
+            <a:spLocks noGrp="1"/>
+          </p:cNvSpPr>
+          <p:nvPr>
+            <p:ph type="title"/>
+          </p:nvPr>
+        </p:nvSpPr>
+        <p:spPr>
+          <a:xfrm>
+            <a:off x="2231136" y="399427"/>
+            <a:ext cx="7729728" cy="1188720"/>
+          </a:xfrm>
+        </p:spPr>
+        <p:txBody>
+          <a:bodyPr>
+            <a:normAutofit/>
+          </a:bodyPr>
+          <a:lstStyle/>
+          <a:p>
+            <a:pPr algn="ctr"/>
+            <a:r>
+              <a:rPr lang="zh-TW" altLang="en-US" sz="3400" dirty="0" smtClean="0">
+                <a:latin typeface="Microsoft JhengHei UI" panose="020B0604030504040204" pitchFamily="34" charset="-120"/>
+                <a:ea typeface="Microsoft JhengHei UI" panose="020B0604030504040204" pitchFamily="34" charset="-120"/>
+              </a:rPr>
+              <a:t>網站畫面</a:t>
+            </a:r>
+            <a:r>
+              <a:rPr lang="en-US" altLang="zh-TW" sz="3400" b="1" dirty="0" smtClean="0">
+                <a:latin typeface="Microsoft JhengHei UI" panose="020B0604030504040204" pitchFamily="34" charset="-120"/>
+                <a:ea typeface="Microsoft JhengHei UI" panose="020B0604030504040204" pitchFamily="34" charset="-120"/>
+              </a:rPr>
+              <a:t>wireframe</a:t>
+            </a:r>
+            <a:endParaRPr lang="zh-TW" altLang="en-US" sz="3400" dirty="0">
+              <a:latin typeface="Microsoft JhengHei UI" panose="020B0604030504040204" pitchFamily="34" charset="-120"/>
+              <a:ea typeface="Microsoft JhengHei UI" panose="020B0604030504040204" pitchFamily="34" charset="-120"/>
+            </a:endParaRPr>
+          </a:p>
+        </p:txBody>
+      </p:sp>
+      <p:sp>
+        <p:nvSpPr>
+          <p:cNvPr id="3" name="內容版面配置區 2"/>
+          <p:cNvSpPr>
+            <a:spLocks noGrp="1"/>
+          </p:cNvSpPr>
+          <p:nvPr>
+            <p:ph idx="1"/>
+          </p:nvPr>
+        </p:nvSpPr>
+        <p:spPr>
+          <a:xfrm>
+            <a:off x="838200" y="1825625"/>
+            <a:ext cx="10515600" cy="659880"/>
+          </a:xfrm>
+        </p:spPr>
+        <p:txBody>
+          <a:bodyPr/>
+          <a:lstStyle/>
+          <a:p>
+            <a:r>
+              <a:rPr lang="en-US" altLang="zh-TW" dirty="0" smtClean="0">
+                <a:hlinkClick r:id="rId2" action="ppaction://hlinkfile"/>
+              </a:rPr>
+              <a:t>wireframe.pdf</a:t>
+            </a:r>
+            <a:endParaRPr lang="zh-TW" altLang="en-US" dirty="0"/>
+          </a:p>
+        </p:txBody>
+      </p:sp>
+    </p:spTree>
+    <p:extLst>
+      <p:ext uri="{BB962C8B-B14F-4D97-AF65-F5344CB8AC3E}">
+        <p14:creationId xmlns:p14="http://schemas.microsoft.com/office/powerpoint/2010/main" val="3096075165"/>
+      </p:ext>
+    </p:extLst>
+  </p:cSld>
+  <p:clrMapOvr>
+    <a:masterClrMapping/>
+  </p:clrMapOvr>
+  <p:timing>
+    <p:tnLst>
+      <p:par>
+        <p:cTn id="1" dur="indefinite" restart="never" nodeType="tmRoot"/>
+      </p:par>
+    </p:tnLst>
+  </p:timing>
+</p:sld>
+</file>
+
+<file path=ppt/slides/slide13.xml><?xml version="1.0" encoding="utf-8"?>
+<p:sld xmlns:a="http://schemas.openxmlformats.org/drawingml/2006/main" xmlns:r="http://schemas.openxmlformats.org/officeDocument/2006/relationships" xmlns:p="http://schemas.openxmlformats.org/presentationml/2006/main">
+  <p:cSld>
+    <p:bg>
+      <p:bgPr>
+        <a:solidFill>
+          <a:schemeClr val="tx1">
+            <a:lumMod val="95000"/>
+            <a:lumOff val="5000"/>
+          </a:schemeClr>
+        </a:solidFill>
+        <a:effectLst/>
+      </p:bgPr>
+    </p:bg>
+    <p:spTree>
+      <p:nvGrpSpPr>
+        <p:cNvPr id="1" name=""/>
+        <p:cNvGrpSpPr/>
+        <p:nvPr/>
+      </p:nvGrpSpPr>
+      <p:grpSpPr>
+        <a:xfrm>
+          <a:off x="0" y="0"/>
+          <a:ext cx="0" cy="0"/>
+          <a:chOff x="0" y="0"/>
+          <a:chExt cx="0" cy="0"/>
+        </a:xfrm>
+      </p:grpSpPr>
+      <p:sp>
+        <p:nvSpPr>
+          <p:cNvPr id="2" name="標題 1">
+            <a:extLst>
+              <a:ext uri="{FF2B5EF4-FFF2-40B4-BE49-F238E27FC236}">
+                <a16:creationId xmlns:a16="http://schemas.microsoft.com/office/drawing/2014/main" id="{51F70220-677A-411B-B416-94321A555329}"/>
+              </a:ext>
+            </a:extLst>
+          </p:cNvPr>
+          <p:cNvSpPr>
+            <a:spLocks noGrp="1"/>
+          </p:cNvSpPr>
+          <p:nvPr>
+            <p:ph type="title"/>
+          </p:nvPr>
+        </p:nvSpPr>
+        <p:spPr>
+          <a:xfrm>
+            <a:off x="6240454" y="2841505"/>
+            <a:ext cx="4451773" cy="1174991"/>
+          </a:xfrm>
+          <a:noFill/>
+          <a:ln w="31750" cap="sq">
+            <a:solidFill>
+              <a:schemeClr val="bg1"/>
+            </a:solidFill>
+            <a:miter lim="800000"/>
+          </a:ln>
+          <a:effectLst>
+            <a:glow rad="152400">
+              <a:schemeClr val="bg1">
+                <a:alpha val="13000"/>
+              </a:schemeClr>
+            </a:glow>
+          </a:effectLst>
+        </p:spPr>
+        <p:txBody>
+          <a:bodyPr vert="horz" wrap="square" lIns="182880" tIns="182880" rIns="182880" bIns="182880" rtlCol="0" anchor="ctr">
+            <a:normAutofit/>
+          </a:bodyPr>
+          <a:lstStyle/>
+          <a:p>
+            <a:pPr algn="ctr" rtl="0"/>
+            <a:r>
+              <a:rPr lang="zh-TW" altLang="en-US" dirty="0" smtClean="0">
+                <a:solidFill>
+                  <a:schemeClr val="bg1"/>
+                </a:solidFill>
+                <a:latin typeface="Microsoft JhengHei UI" panose="020B0604030504040204" pitchFamily="34" charset="-120"/>
+                <a:ea typeface="Microsoft JhengHei UI" panose="020B0604030504040204" pitchFamily="34" charset="-120"/>
+              </a:rPr>
+              <a:t>感謝您的聆聽</a:t>
+            </a:r>
+            <a:endParaRPr lang="zh-TW" altLang="en-US" dirty="0">
+              <a:solidFill>
+                <a:schemeClr val="bg1"/>
+              </a:solidFill>
+              <a:latin typeface="Microsoft JhengHei UI" panose="020B0604030504040204" pitchFamily="34" charset="-120"/>
+              <a:ea typeface="Microsoft JhengHei UI" panose="020B0604030504040204" pitchFamily="34" charset="-120"/>
+            </a:endParaRPr>
+          </a:p>
+        </p:txBody>
+      </p:sp>
+      <p:pic>
+        <p:nvPicPr>
+          <p:cNvPr id="4" name="圖片 3" descr="手拿著筆指向財務數字">
+            <a:extLst>
+              <a:ext uri="{FF2B5EF4-FFF2-40B4-BE49-F238E27FC236}">
+                <a16:creationId xmlns:a16="http://schemas.microsoft.com/office/drawing/2014/main" id="{AB2E0BE0-B684-4228-A4DF-58C8CAFFDF47}"/>
+              </a:ext>
+            </a:extLst>
+          </p:cNvPr>
+          <p:cNvPicPr>
+            <a:picLocks noChangeAspect="1"/>
+          </p:cNvPicPr>
+          <p:nvPr/>
+        </p:nvPicPr>
+        <p:blipFill rotWithShape="1">
+          <a:blip r:embed="rId3" cstate="print">
+            <a:extLst>
+              <a:ext uri="{28A0092B-C50C-407E-A947-70E740481C1C}">
+                <a14:useLocalDpi xmlns:a14="http://schemas.microsoft.com/office/drawing/2010/main"/>
+              </a:ext>
+            </a:extLst>
+          </a:blip>
+          <a:srcRect b="-1"/>
+          <a:stretch/>
+        </p:blipFill>
+        <p:spPr>
+          <a:xfrm>
+            <a:off x="20" y="10"/>
+            <a:ext cx="4657325" cy="6857990"/>
+          </a:xfrm>
+          <a:prstGeom prst="rect">
+            <a:avLst/>
+          </a:prstGeom>
+        </p:spPr>
+      </p:pic>
+    </p:spTree>
+    <p:extLst>
+      <p:ext uri="{BB962C8B-B14F-4D97-AF65-F5344CB8AC3E}">
+        <p14:creationId xmlns:p14="http://schemas.microsoft.com/office/powerpoint/2010/main" val="2673849116"/>
+      </p:ext>
+    </p:extLst>
+  </p:cSld>
+  <p:clrMapOvr>
+    <a:masterClrMapping/>
+  </p:clrMapOvr>
+  <p:timing>
+    <p:tnLst>
+      <p:par>
+        <p:cTn id="1" dur="indefinite" restart="never" nodeType="tmRoot"/>
+      </p:par>
+    </p:tnLst>
+  </p:timing>
+</p:sld>
+</file>
+
 <file path=ppt/slides/slide2.xml><?xml version="1.0" encoding="utf-8"?>
 <p:sld xmlns:a="http://schemas.openxmlformats.org/drawingml/2006/main" xmlns:r="http://schemas.openxmlformats.org/officeDocument/2006/relationships" xmlns:p="http://schemas.openxmlformats.org/presentationml/2006/main">
   <p:cSld>
@@ -4535,7 +5198,7 @@
           <p:cNvPr id="2" name="標題 1">
             <a:extLst>
               <a:ext uri="{FF2B5EF4-FFF2-40B4-BE49-F238E27FC236}">
-                <a16:creationId xmlns:a16="http://schemas.microsoft.com/office/drawing/2014/main" xmlns="" id="{9C9DE503-F7C2-4A40-83F4-4DE931E7D9DE}"/>
+                <a16:creationId xmlns:a16="http://schemas.microsoft.com/office/drawing/2014/main" id="{9C9DE503-F7C2-4A40-83F4-4DE931E7D9DE}"/>
               </a:ext>
             </a:extLst>
           </p:cNvPr>
@@ -4587,7 +5250,7 @@
           <p:cNvPr id="4" name="圖片 3" descr="金融交易數字">
             <a:extLst>
               <a:ext uri="{FF2B5EF4-FFF2-40B4-BE49-F238E27FC236}">
-                <a16:creationId xmlns:a16="http://schemas.microsoft.com/office/drawing/2014/main" xmlns="" id="{32F354A1-38C7-4598-A0E1-7A286A3019B8}"/>
+                <a16:creationId xmlns:a16="http://schemas.microsoft.com/office/drawing/2014/main" id="{32F354A1-38C7-4598-A0E1-7A286A3019B8}"/>
               </a:ext>
             </a:extLst>
           </p:cNvPr>
@@ -4772,7 +5435,7 @@
           <p:cNvPr id="2" name="標題 1">
             <a:extLst>
               <a:ext uri="{FF2B5EF4-FFF2-40B4-BE49-F238E27FC236}">
-                <a16:creationId xmlns:a16="http://schemas.microsoft.com/office/drawing/2014/main" xmlns="" id="{8EB78894-19E5-4916-B37E-B4A80B9B8D52}"/>
+                <a16:creationId xmlns:a16="http://schemas.microsoft.com/office/drawing/2014/main" id="{8EB78894-19E5-4916-B37E-B4A80B9B8D52}"/>
               </a:ext>
             </a:extLst>
           </p:cNvPr>
@@ -4989,7 +5652,7 @@
           <p:cNvPr id="6" name="標題 1">
             <a:extLst>
               <a:ext uri="{FF2B5EF4-FFF2-40B4-BE49-F238E27FC236}">
-                <a16:creationId xmlns:a16="http://schemas.microsoft.com/office/drawing/2014/main" xmlns="" id="{8EB78894-19E5-4916-B37E-B4A80B9B8D52}"/>
+                <a16:creationId xmlns:a16="http://schemas.microsoft.com/office/drawing/2014/main" id="{8EB78894-19E5-4916-B37E-B4A80B9B8D52}"/>
               </a:ext>
             </a:extLst>
           </p:cNvPr>
@@ -5196,7 +5859,7 @@
           <p:cNvPr id="2" name="標題 1">
             <a:extLst>
               <a:ext uri="{FF2B5EF4-FFF2-40B4-BE49-F238E27FC236}">
-                <a16:creationId xmlns:a16="http://schemas.microsoft.com/office/drawing/2014/main" xmlns="" id="{15115107-5DA3-4397-A1DA-67705DAE1EC2}"/>
+                <a16:creationId xmlns:a16="http://schemas.microsoft.com/office/drawing/2014/main" id="{15115107-5DA3-4397-A1DA-67705DAE1EC2}"/>
               </a:ext>
             </a:extLst>
           </p:cNvPr>
@@ -5314,14 +5977,7 @@
                 <a:latin typeface="Microsoft JhengHei UI" panose="020B0604030504040204" pitchFamily="34" charset="-120"/>
                 <a:ea typeface="Microsoft JhengHei UI" panose="020B0604030504040204" pitchFamily="34" charset="-120"/>
               </a:rPr>
-              <a:t>人自助旅店的達成目的與</a:t>
-            </a:r>
-            <a:r>
-              <a:rPr lang="zh-TW" altLang="en-US" sz="3200" dirty="0" smtClean="0">
-                <a:latin typeface="Microsoft JhengHei UI" panose="020B0604030504040204" pitchFamily="34" charset="-120"/>
-                <a:ea typeface="Microsoft JhengHei UI" panose="020B0604030504040204" pitchFamily="34" charset="-120"/>
-              </a:rPr>
-              <a:t>功能</a:t>
+              <a:t>人自助旅店的達成目的與功能</a:t>
             </a:r>
             <a:endParaRPr lang="en-US" altLang="zh-TW" sz="3200" dirty="0" smtClean="0">
               <a:latin typeface="Microsoft JhengHei UI" panose="020B0604030504040204" pitchFamily="34" charset="-120"/>
@@ -5360,14 +6016,7 @@
                 <a:latin typeface="Microsoft JhengHei UI" panose="020B0604030504040204" pitchFamily="34" charset="-120"/>
                 <a:ea typeface="Microsoft JhengHei UI" panose="020B0604030504040204" pitchFamily="34" charset="-120"/>
               </a:rPr>
-              <a:t>減少使用者與服務人員接觸，以及減少人工</a:t>
-            </a:r>
-            <a:r>
-              <a:rPr lang="zh-TW" altLang="en-US" sz="2400" dirty="0" smtClean="0">
-                <a:latin typeface="Microsoft JhengHei UI" panose="020B0604030504040204" pitchFamily="34" charset="-120"/>
-                <a:ea typeface="Microsoft JhengHei UI" panose="020B0604030504040204" pitchFamily="34" charset="-120"/>
-              </a:rPr>
-              <a:t>成本</a:t>
+              <a:t>減少使用者與服務人員接觸，以及減少人工成本</a:t>
             </a:r>
             <a:endParaRPr lang="en-US" altLang="zh-TW" sz="2400" dirty="0" smtClean="0">
               <a:latin typeface="Microsoft JhengHei UI" panose="020B0604030504040204" pitchFamily="34" charset="-120"/>
@@ -5755,7 +6404,7 @@
           <p:cNvPr id="2" name="標題 1">
             <a:extLst>
               <a:ext uri="{FF2B5EF4-FFF2-40B4-BE49-F238E27FC236}">
-                <a16:creationId xmlns:a16="http://schemas.microsoft.com/office/drawing/2014/main" xmlns="" id="{8EB78894-19E5-4916-B37E-B4A80B9B8D52}"/>
+                <a16:creationId xmlns:a16="http://schemas.microsoft.com/office/drawing/2014/main" id="{8EB78894-19E5-4916-B37E-B4A80B9B8D52}"/>
               </a:ext>
             </a:extLst>
           </p:cNvPr>
@@ -5862,7 +6511,7 @@
         </p:spPr>
         <p:txBody>
           <a:bodyPr vert="horz" lIns="91440" tIns="45720" rIns="91440" bIns="45720" rtlCol="0">
-            <a:normAutofit/>
+            <a:normAutofit lnSpcReduction="10000"/>
           </a:bodyPr>
           <a:lstStyle>
             <a:lvl1pPr marL="228600" indent="-228600" algn="l" defTabSz="914400" rtl="0" eaLnBrk="1" latinLnBrk="0" hangingPunct="1">
@@ -6077,7 +6726,11 @@
             </a:pPr>
             <a:r>
               <a:rPr lang="zh-TW" altLang="en-US" sz="3200" dirty="0" smtClean="0"/>
-              <a:t>後臺管理功能</a:t>
+              <a:t>後臺管理</a:t>
+            </a:r>
+            <a:r>
+              <a:rPr lang="zh-TW" altLang="en-US" sz="3200" dirty="0" smtClean="0"/>
+              <a:t>功能</a:t>
             </a:r>
             <a:endParaRPr lang="en-US" altLang="zh-TW" sz="3200" dirty="0" smtClean="0"/>
           </a:p>
@@ -6086,9 +6739,20 @@
               <a:buFont typeface="Arial" panose="020B0604020202020204" pitchFamily="34" charset="0"/>
               <a:buNone/>
             </a:pPr>
+            <a:endParaRPr lang="en-US" altLang="zh-TW" sz="2400" dirty="0" smtClean="0"/>
+          </a:p>
+          <a:p>
+            <a:pPr marL="228600" lvl="1" indent="0">
+              <a:buFont typeface="Arial" panose="020B0604020202020204" pitchFamily="34" charset="0"/>
+              <a:buNone/>
+            </a:pPr>
             <a:r>
               <a:rPr lang="en-US" altLang="zh-TW" sz="2400" dirty="0" smtClean="0"/>
-              <a:t>1.</a:t>
+              <a:t>1</a:t>
+            </a:r>
+            <a:r>
+              <a:rPr lang="en-US" altLang="zh-TW" sz="2400" dirty="0" smtClean="0"/>
+              <a:t>.</a:t>
             </a:r>
             <a:r>
               <a:rPr lang="zh-TW" altLang="en-US" sz="2400" dirty="0" smtClean="0"/>
@@ -6263,7 +6927,53 @@
       </p:grpSpPr>
       <p:sp>
         <p:nvSpPr>
-          <p:cNvPr id="2" name="標題 1"/>
+          <p:cNvPr id="9" name="矩形 8"/>
+          <p:cNvSpPr/>
+          <p:nvPr/>
+        </p:nvSpPr>
+        <p:spPr>
+          <a:xfrm>
+            <a:off x="4926" y="0"/>
+            <a:ext cx="4649370" cy="6858000"/>
+          </a:xfrm>
+          <a:prstGeom prst="rect">
+            <a:avLst/>
+          </a:prstGeom>
+        </p:spPr>
+        <p:style>
+          <a:lnRef idx="2">
+            <a:schemeClr val="dk1">
+              <a:shade val="50000"/>
+            </a:schemeClr>
+          </a:lnRef>
+          <a:fillRef idx="1">
+            <a:schemeClr val="dk1"/>
+          </a:fillRef>
+          <a:effectRef idx="0">
+            <a:schemeClr val="dk1"/>
+          </a:effectRef>
+          <a:fontRef idx="minor">
+            <a:schemeClr val="lt1"/>
+          </a:fontRef>
+        </p:style>
+        <p:txBody>
+          <a:bodyPr rtlCol="0" anchor="ctr"/>
+          <a:lstStyle/>
+          <a:p>
+            <a:pPr algn="ctr"/>
+            <a:endParaRPr lang="zh-TW" altLang="en-US"/>
+          </a:p>
+        </p:txBody>
+      </p:sp>
+      <p:sp>
+        <p:nvSpPr>
+          <p:cNvPr id="2" name="標題 1">
+            <a:extLst>
+              <a:ext uri="{FF2B5EF4-FFF2-40B4-BE49-F238E27FC236}">
+                <a16:creationId xmlns:a16="http://schemas.microsoft.com/office/drawing/2014/main" id="{15115107-5DA3-4397-A1DA-67705DAE1EC2}"/>
+              </a:ext>
+            </a:extLst>
+          </p:cNvPr>
           <p:cNvSpPr>
             <a:spLocks noGrp="1"/>
           </p:cNvSpPr>
@@ -6271,74 +6981,183 @@
             <p:ph type="title"/>
           </p:nvPr>
         </p:nvSpPr>
-        <p:spPr/>
-        <p:txBody>
-          <a:bodyPr>
+        <p:spPr>
+          <a:xfrm>
+            <a:off x="407547" y="2681103"/>
+            <a:ext cx="3449558" cy="1495794"/>
+          </a:xfrm>
+          <a:noFill/>
+          <a:ln w="31750" cap="sq">
+            <a:solidFill>
+              <a:srgbClr val="FFFFFF"/>
+            </a:solidFill>
+            <a:miter lim="800000"/>
+          </a:ln>
+          <a:effectLst>
+            <a:glow rad="152400">
+              <a:schemeClr val="bg1">
+                <a:alpha val="13000"/>
+              </a:schemeClr>
+            </a:glow>
+          </a:effectLst>
+        </p:spPr>
+        <p:txBody>
+          <a:bodyPr vert="horz" wrap="square" lIns="182880" tIns="182880" rIns="182880" bIns="182880" rtlCol="0" anchor="ctr">
             <a:normAutofit/>
           </a:bodyPr>
           <a:lstStyle/>
           <a:p>
             <a:pPr algn="ctr"/>
             <a:r>
-              <a:rPr lang="zh-TW" altLang="en-US" sz="3400" dirty="0" smtClean="0">
+              <a:rPr lang="zh-TW" altLang="en-US" dirty="0">
+                <a:solidFill>
+                  <a:srgbClr val="FFFFFF"/>
+                </a:solidFill>
                 <a:latin typeface="Microsoft JhengHei UI" panose="020B0604030504040204" pitchFamily="34" charset="-120"/>
                 <a:ea typeface="Microsoft JhengHei UI" panose="020B0604030504040204" pitchFamily="34" charset="-120"/>
               </a:rPr>
-              <a:t>網站架構圖</a:t>
-            </a:r>
-            <a:endParaRPr lang="zh-TW" altLang="en-US" sz="3400" dirty="0">
+              <a:t>期望</a:t>
+            </a:r>
+            <a:r>
+              <a:rPr lang="zh-TW" altLang="en-US" dirty="0" smtClean="0">
+                <a:solidFill>
+                  <a:srgbClr val="FFFFFF"/>
+                </a:solidFill>
+                <a:latin typeface="Microsoft JhengHei UI" panose="020B0604030504040204" pitchFamily="34" charset="-120"/>
+                <a:ea typeface="Microsoft JhengHei UI" panose="020B0604030504040204" pitchFamily="34" charset="-120"/>
+              </a:rPr>
+              <a:t>功能</a:t>
+            </a:r>
+            <a:endParaRPr lang="zh-TW" altLang="en-US" dirty="0">
+              <a:solidFill>
+                <a:srgbClr val="FFFFFF"/>
+              </a:solidFill>
               <a:latin typeface="Microsoft JhengHei UI" panose="020B0604030504040204" pitchFamily="34" charset="-120"/>
               <a:ea typeface="Microsoft JhengHei UI" panose="020B0604030504040204" pitchFamily="34" charset="-120"/>
             </a:endParaRPr>
           </a:p>
         </p:txBody>
       </p:sp>
-      <p:pic>
-        <p:nvPicPr>
-          <p:cNvPr id="6" name="內容版面配置區 5"/>
-          <p:cNvPicPr>
-            <a:picLocks noGrp="1" noChangeAspect="1"/>
-          </p:cNvPicPr>
+      <p:sp>
+        <p:nvSpPr>
+          <p:cNvPr id="8" name="內容版面配置區 2"/>
+          <p:cNvSpPr>
+            <a:spLocks noGrp="1"/>
+          </p:cNvSpPr>
           <p:nvPr>
             <p:ph idx="1"/>
           </p:nvPr>
-        </p:nvPicPr>
-        <p:blipFill>
-          <a:blip r:embed="rId2">
-            <a:extLst>
-              <a:ext uri="{28A0092B-C50C-407E-A947-70E740481C1C}">
-                <a14:useLocalDpi xmlns:a14="http://schemas.microsoft.com/office/drawing/2010/main" val="0"/>
-              </a:ext>
-            </a:extLst>
-          </a:blip>
-          <a:stretch>
-            <a:fillRect/>
-          </a:stretch>
-        </p:blipFill>
+        </p:nvSpPr>
         <p:spPr>
           <a:xfrm>
-            <a:off x="2137719" y="1356067"/>
-            <a:ext cx="9014573" cy="4865859"/>
+            <a:off x="4654296" y="816101"/>
+            <a:ext cx="7534317" cy="4911367"/>
           </a:xfrm>
         </p:spPr>
-      </p:pic>
+        <p:txBody>
+          <a:bodyPr anchor="ctr">
+            <a:normAutofit/>
+          </a:bodyPr>
+          <a:lstStyle/>
+          <a:p>
+            <a:pPr marL="228600" lvl="1" indent="0">
+              <a:buNone/>
+            </a:pPr>
+            <a:r>
+              <a:rPr lang="zh-TW" altLang="en-US" sz="3200" dirty="0" smtClean="0">
+                <a:latin typeface="Microsoft JhengHei UI" panose="020B0604030504040204" pitchFamily="34" charset="-120"/>
+                <a:ea typeface="Microsoft JhengHei UI" panose="020B0604030504040204" pitchFamily="34" charset="-120"/>
+              </a:rPr>
+              <a:t>自動產生 </a:t>
+            </a:r>
+            <a:r>
+              <a:rPr lang="en-US" altLang="zh-TW" sz="3200" dirty="0" err="1" smtClean="0">
+                <a:latin typeface="Microsoft JhengHei UI" panose="020B0604030504040204" pitchFamily="34" charset="-120"/>
+                <a:ea typeface="Microsoft JhengHei UI" panose="020B0604030504040204" pitchFamily="34" charset="-120"/>
+              </a:rPr>
+              <a:t>Qrcode</a:t>
+            </a:r>
+            <a:r>
+              <a:rPr lang="en-US" altLang="zh-TW" sz="3200" dirty="0" smtClean="0">
+                <a:latin typeface="Microsoft JhengHei UI" panose="020B0604030504040204" pitchFamily="34" charset="-120"/>
+                <a:ea typeface="Microsoft JhengHei UI" panose="020B0604030504040204" pitchFamily="34" charset="-120"/>
+              </a:rPr>
+              <a:t> </a:t>
+            </a:r>
+            <a:endParaRPr lang="en-US" altLang="zh-TW" sz="3200" dirty="0">
+              <a:latin typeface="Microsoft JhengHei UI" panose="020B0604030504040204" pitchFamily="34" charset="-120"/>
+              <a:ea typeface="Microsoft JhengHei UI" panose="020B0604030504040204" pitchFamily="34" charset="-120"/>
+            </a:endParaRPr>
+          </a:p>
+          <a:p>
+            <a:pPr marL="228600" lvl="1" indent="0">
+              <a:buNone/>
+            </a:pPr>
+            <a:r>
+              <a:rPr lang="zh-TW" altLang="en-US" sz="3200" dirty="0" smtClean="0">
+                <a:latin typeface="Microsoft JhengHei UI" panose="020B0604030504040204" pitchFamily="34" charset="-120"/>
+                <a:ea typeface="Microsoft JhengHei UI" panose="020B0604030504040204" pitchFamily="34" charset="-120"/>
+              </a:rPr>
+              <a:t>快速同步前後端顯示訊息</a:t>
+            </a:r>
+            <a:endParaRPr lang="en-US" altLang="zh-TW" sz="3200" dirty="0" smtClean="0">
+              <a:latin typeface="Microsoft JhengHei UI" panose="020B0604030504040204" pitchFamily="34" charset="-120"/>
+              <a:ea typeface="Microsoft JhengHei UI" panose="020B0604030504040204" pitchFamily="34" charset="-120"/>
+            </a:endParaRPr>
+          </a:p>
+          <a:p>
+            <a:pPr marL="228600" lvl="1" indent="0">
+              <a:buNone/>
+            </a:pPr>
+            <a:r>
+              <a:rPr lang="zh-TW" altLang="en-US" sz="3200" dirty="0" smtClean="0">
+                <a:latin typeface="Microsoft JhengHei UI" panose="020B0604030504040204" pitchFamily="34" charset="-120"/>
+                <a:ea typeface="Microsoft JhengHei UI" panose="020B0604030504040204" pitchFamily="34" charset="-120"/>
+              </a:rPr>
+              <a:t>後端資料庫同步處裡</a:t>
+            </a:r>
+            <a:endParaRPr lang="en-US" altLang="zh-TW" sz="3200" dirty="0" smtClean="0">
+              <a:latin typeface="Microsoft JhengHei UI" panose="020B0604030504040204" pitchFamily="34" charset="-120"/>
+              <a:ea typeface="Microsoft JhengHei UI" panose="020B0604030504040204" pitchFamily="34" charset="-120"/>
+            </a:endParaRPr>
+          </a:p>
+          <a:p>
+            <a:pPr marL="228600" lvl="1" indent="0">
+              <a:buNone/>
+            </a:pPr>
+            <a:r>
+              <a:rPr lang="zh-TW" altLang="en-US" sz="3200" dirty="0" smtClean="0">
+                <a:latin typeface="Microsoft JhengHei UI" panose="020B0604030504040204" pitchFamily="34" charset="-120"/>
+                <a:ea typeface="Microsoft JhengHei UI" panose="020B0604030504040204" pitchFamily="34" charset="-120"/>
+              </a:rPr>
+              <a:t>更多的互動體驗</a:t>
+            </a:r>
+            <a:endParaRPr lang="en-US" altLang="zh-TW" sz="3200" dirty="0" smtClean="0">
+              <a:latin typeface="Microsoft JhengHei UI" panose="020B0604030504040204" pitchFamily="34" charset="-120"/>
+              <a:ea typeface="Microsoft JhengHei UI" panose="020B0604030504040204" pitchFamily="34" charset="-120"/>
+            </a:endParaRPr>
+          </a:p>
+          <a:p>
+            <a:pPr marL="228600" lvl="1" indent="0" algn="ctr">
+              <a:buNone/>
+            </a:pPr>
+            <a:endParaRPr lang="en-US" altLang="zh-TW" sz="2400" dirty="0" smtClean="0">
+              <a:latin typeface="Microsoft JhengHei UI" panose="020B0604030504040204" pitchFamily="34" charset="-120"/>
+              <a:ea typeface="Microsoft JhengHei UI" panose="020B0604030504040204" pitchFamily="34" charset="-120"/>
+            </a:endParaRPr>
+          </a:p>
+        </p:txBody>
+      </p:sp>
     </p:spTree>
     <p:extLst>
       <p:ext uri="{BB962C8B-B14F-4D97-AF65-F5344CB8AC3E}">
-        <p14:creationId xmlns:p14="http://schemas.microsoft.com/office/powerpoint/2010/main" val="3739821269"/>
+        <p14:creationId xmlns:p14="http://schemas.microsoft.com/office/powerpoint/2010/main" val="1321570062"/>
       </p:ext>
     </p:extLst>
   </p:cSld>
   <p:clrMapOvr>
     <a:masterClrMapping/>
   </p:clrMapOvr>
-  <p:timing>
-    <p:tnLst>
-      <p:par>
-        <p:cTn id="1" dur="indefinite" restart="never" nodeType="tmRoot"/>
-      </p:par>
-    </p:tnLst>
-  </p:timing>
 </p:sld>
 </file>
 
@@ -6369,12 +7188,7 @@
             <p:ph type="title"/>
           </p:nvPr>
         </p:nvSpPr>
-        <p:spPr>
-          <a:xfrm>
-            <a:off x="2231136" y="399427"/>
-            <a:ext cx="7729728" cy="1188720"/>
-          </a:xfrm>
-        </p:spPr>
+        <p:spPr/>
         <p:txBody>
           <a:bodyPr>
             <a:normAutofit/>
@@ -6387,14 +7201,7 @@
                 <a:latin typeface="Microsoft JhengHei UI" panose="020B0604030504040204" pitchFamily="34" charset="-120"/>
                 <a:ea typeface="Microsoft JhengHei UI" panose="020B0604030504040204" pitchFamily="34" charset="-120"/>
               </a:rPr>
-              <a:t>網站畫面</a:t>
-            </a:r>
-            <a:r>
-              <a:rPr lang="en-US" altLang="zh-TW" sz="3400" b="1" dirty="0" smtClean="0">
-                <a:latin typeface="Microsoft JhengHei UI" panose="020B0604030504040204" pitchFamily="34" charset="-120"/>
-                <a:ea typeface="Microsoft JhengHei UI" panose="020B0604030504040204" pitchFamily="34" charset="-120"/>
-              </a:rPr>
-              <a:t>wireframe</a:t>
+              <a:t>案例</a:t>
             </a:r>
             <a:endParaRPr lang="zh-TW" altLang="en-US" sz="3400" dirty="0">
               <a:latin typeface="Microsoft JhengHei UI" panose="020B0604030504040204" pitchFamily="34" charset="-120"/>
@@ -6413,22 +7220,126 @@
             <p:ph idx="1"/>
           </p:nvPr>
         </p:nvSpPr>
-        <p:spPr>
-          <a:xfrm>
-            <a:off x="838200" y="1825625"/>
-            <a:ext cx="10515600" cy="659880"/>
-          </a:xfrm>
-        </p:spPr>
+        <p:spPr/>
         <p:txBody>
           <a:bodyPr/>
           <a:lstStyle/>
           <a:p>
+            <a:pPr marL="0" indent="0">
+              <a:buNone/>
+            </a:pPr>
+            <a:r>
+              <a:rPr lang="zh-TW" altLang="en-US" dirty="0"/>
+              <a:t>日本</a:t>
+            </a:r>
+            <a:r>
+              <a:rPr lang="zh-TW" altLang="en-US" dirty="0" smtClean="0"/>
+              <a:t>東京 </a:t>
+            </a:r>
+            <a:r>
+              <a:rPr lang="en-US" altLang="zh-TW" dirty="0" smtClean="0"/>
+              <a:t>Henn-</a:t>
+            </a:r>
+            <a:r>
+              <a:rPr lang="en-US" altLang="zh-TW" dirty="0" err="1" smtClean="0"/>
+              <a:t>na</a:t>
+            </a:r>
+            <a:r>
+              <a:rPr lang="en-US" altLang="zh-TW" dirty="0" smtClean="0"/>
+              <a:t> Hotel</a:t>
+            </a:r>
+          </a:p>
+          <a:p>
+            <a:pPr marL="0" indent="0">
+              <a:buNone/>
+            </a:pPr>
+            <a:r>
+              <a:rPr lang="en-US" altLang="zh-TW" dirty="0">
+                <a:hlinkClick r:id="rId2"/>
+              </a:rPr>
+              <a:t>https://group.hennnahotel.com/zh-hant</a:t>
+            </a:r>
             <a:r>
               <a:rPr lang="en-US" altLang="zh-TW" dirty="0" smtClean="0">
-                <a:hlinkClick r:id="rId2" action="ppaction://hlinkfile"/>
-              </a:rPr>
-              <a:t>wireframe.pdf</a:t>
-            </a:r>
+                <a:hlinkClick r:id="rId2"/>
+              </a:rPr>
+              <a:t>/</a:t>
+            </a:r>
+            <a:endParaRPr lang="en-US" altLang="zh-TW" dirty="0" smtClean="0"/>
+          </a:p>
+          <a:p>
+            <a:pPr marL="0" indent="0">
+              <a:buNone/>
+            </a:pPr>
+            <a:r>
+              <a:rPr lang="zh-TW" altLang="en-US" dirty="0" smtClean="0"/>
+              <a:t>德國慕尼黑 </a:t>
+            </a:r>
+            <a:r>
+              <a:rPr lang="en-US" altLang="zh-TW" dirty="0" smtClean="0"/>
+              <a:t>Buddy Hotel</a:t>
+            </a:r>
+          </a:p>
+          <a:p>
+            <a:pPr marL="0" indent="0">
+              <a:buNone/>
+            </a:pPr>
+            <a:r>
+              <a:rPr lang="en-US" altLang="zh-TW" dirty="0">
+                <a:hlinkClick r:id="rId3"/>
+              </a:rPr>
+              <a:t>https://www.hotelbuddy.eu</a:t>
+            </a:r>
+            <a:r>
+              <a:rPr lang="en-US" altLang="zh-TW" dirty="0" smtClean="0">
+                <a:hlinkClick r:id="rId3"/>
+              </a:rPr>
+              <a:t>/</a:t>
+            </a:r>
+            <a:endParaRPr lang="en-US" altLang="zh-TW" dirty="0" smtClean="0"/>
+          </a:p>
+          <a:p>
+            <a:pPr marL="0" indent="0">
+              <a:buNone/>
+            </a:pPr>
+            <a:r>
+              <a:rPr lang="zh-TW" altLang="en-US" dirty="0"/>
+              <a:t>台中的鵲絲</a:t>
+            </a:r>
+            <a:r>
+              <a:rPr lang="zh-TW" altLang="en-US" dirty="0" smtClean="0"/>
+              <a:t>旅店</a:t>
+            </a:r>
+            <a:endParaRPr lang="en-US" altLang="zh-TW" dirty="0" smtClean="0"/>
+          </a:p>
+          <a:p>
+            <a:pPr marL="0" indent="0">
+              <a:buNone/>
+            </a:pPr>
+            <a:r>
+              <a:rPr lang="en-US" altLang="zh-TW" dirty="0" smtClean="0">
+                <a:hlinkClick r:id="rId4"/>
+              </a:rPr>
+              <a:t>https</a:t>
+            </a:r>
+            <a:r>
+              <a:rPr lang="en-US" altLang="zh-TW" dirty="0">
+                <a:hlinkClick r:id="rId4"/>
+              </a:rPr>
+              <a:t>://chasehotel.com.tw</a:t>
+            </a:r>
+            <a:r>
+              <a:rPr lang="en-US" altLang="zh-TW" dirty="0" smtClean="0">
+                <a:hlinkClick r:id="rId4"/>
+              </a:rPr>
+              <a:t>/</a:t>
+            </a:r>
+            <a:endParaRPr lang="en-US" altLang="zh-TW" dirty="0"/>
+          </a:p>
+          <a:p>
+            <a:pPr marL="0" indent="0">
+              <a:buNone/>
+            </a:pPr>
             <a:endParaRPr lang="zh-TW" altLang="en-US" dirty="0"/>
           </a:p>
         </p:txBody>
@@ -6436,37 +7347,19 @@
     </p:spTree>
     <p:extLst>
       <p:ext uri="{BB962C8B-B14F-4D97-AF65-F5344CB8AC3E}">
-        <p14:creationId xmlns:p14="http://schemas.microsoft.com/office/powerpoint/2010/main" val="3096075165"/>
+        <p14:creationId xmlns:p14="http://schemas.microsoft.com/office/powerpoint/2010/main" val="2945828749"/>
       </p:ext>
     </p:extLst>
   </p:cSld>
   <p:clrMapOvr>
     <a:masterClrMapping/>
   </p:clrMapOvr>
-  <p:timing>
-    <p:tnLst>
-      <p:par>
-        <p:cTn id="1" dur="indefinite" restart="never" nodeType="tmRoot"/>
-      </p:par>
-    </p:tnLst>
-  </p:timing>
 </p:sld>
 </file>
 
 <file path=ppt/slides/slide9.xml><?xml version="1.0" encoding="utf-8"?>
 <p:sld xmlns:a="http://schemas.openxmlformats.org/drawingml/2006/main" xmlns:r="http://schemas.openxmlformats.org/officeDocument/2006/relationships" xmlns:p="http://schemas.openxmlformats.org/presentationml/2006/main">
   <p:cSld>
-    <p:bg>
-      <p:bgPr>
-        <a:solidFill>
-          <a:schemeClr val="tx1">
-            <a:lumMod val="95000"/>
-            <a:lumOff val="5000"/>
-          </a:schemeClr>
-        </a:solidFill>
-        <a:effectLst/>
-      </p:bgPr>
-    </p:bg>
     <p:spTree>
       <p:nvGrpSpPr>
         <p:cNvPr id="1" name=""/>
@@ -6483,13 +7376,7 @@
       </p:grpSpPr>
       <p:sp>
         <p:nvSpPr>
-          <p:cNvPr id="2" name="標題 1">
-            <a:extLst>
-              <a:ext uri="{FF2B5EF4-FFF2-40B4-BE49-F238E27FC236}">
-                <a16:creationId xmlns:a16="http://schemas.microsoft.com/office/drawing/2014/main" xmlns="" id="{51F70220-677A-411B-B416-94321A555329}"/>
-              </a:ext>
-            </a:extLst>
-          </p:cNvPr>
+          <p:cNvPr id="2" name="標題 1"/>
           <p:cNvSpPr>
             <a:spLocks noGrp="1"/>
           </p:cNvSpPr>
@@ -6499,103 +7386,348 @@
         </p:nvSpPr>
         <p:spPr>
           <a:xfrm>
-            <a:off x="6240454" y="2841505"/>
-            <a:ext cx="4451773" cy="1174991"/>
+            <a:off x="822850" y="365125"/>
+            <a:ext cx="10515600" cy="1325563"/>
           </a:xfrm>
-          <a:noFill/>
-          <a:ln w="31750" cap="sq">
-            <a:solidFill>
-              <a:schemeClr val="bg1"/>
-            </a:solidFill>
-            <a:miter lim="800000"/>
-          </a:ln>
-          <a:effectLst>
-            <a:glow rad="152400">
-              <a:schemeClr val="bg1">
-                <a:alpha val="13000"/>
-              </a:schemeClr>
-            </a:glow>
-          </a:effectLst>
         </p:spPr>
         <p:txBody>
-          <a:bodyPr vert="horz" wrap="square" lIns="182880" tIns="182880" rIns="182880" bIns="182880" rtlCol="0" anchor="ctr">
+          <a:bodyPr>
             <a:normAutofit/>
           </a:bodyPr>
           <a:lstStyle/>
           <a:p>
-            <a:pPr algn="ctr" rtl="0"/>
-            <a:r>
-              <a:rPr lang="zh-TW" altLang="en-US" dirty="0" smtClean="0">
-                <a:solidFill>
-                  <a:schemeClr val="bg1"/>
-                </a:solidFill>
+            <a:pPr algn="ctr"/>
+            <a:r>
+              <a:rPr lang="zh-TW" altLang="en-US" sz="3400" dirty="0" smtClean="0">
                 <a:latin typeface="Microsoft JhengHei UI" panose="020B0604030504040204" pitchFamily="34" charset="-120"/>
                 <a:ea typeface="Microsoft JhengHei UI" panose="020B0604030504040204" pitchFamily="34" charset="-120"/>
               </a:rPr>
-              <a:t>感謝您的聆聽</a:t>
-            </a:r>
-            <a:endParaRPr lang="zh-TW" altLang="en-US" dirty="0">
-              <a:solidFill>
-                <a:schemeClr val="bg1"/>
-              </a:solidFill>
-              <a:latin typeface="Microsoft JhengHei UI" panose="020B0604030504040204" pitchFamily="34" charset="-120"/>
-              <a:ea typeface="Microsoft JhengHei UI" panose="020B0604030504040204" pitchFamily="34" charset="-120"/>
-            </a:endParaRPr>
+              <a:t>參考色</a:t>
+            </a:r>
+            <a:r>
+              <a:rPr lang="zh-TW" altLang="en-US" sz="3400" dirty="0">
+                <a:latin typeface="Microsoft JhengHei UI" panose="020B0604030504040204" pitchFamily="34" charset="-120"/>
+                <a:ea typeface="Microsoft JhengHei UI" panose="020B0604030504040204" pitchFamily="34" charset="-120"/>
+              </a:rPr>
+              <a:t>系</a:t>
+            </a:r>
           </a:p>
         </p:txBody>
       </p:sp>
       <p:pic>
         <p:nvPicPr>
-          <p:cNvPr id="4" name="圖片 3" descr="手拿著筆指向財務數字">
-            <a:extLst>
-              <a:ext uri="{FF2B5EF4-FFF2-40B4-BE49-F238E27FC236}">
-                <a16:creationId xmlns:a16="http://schemas.microsoft.com/office/drawing/2014/main" xmlns="" id="{AB2E0BE0-B684-4228-A4DF-58C8CAFFDF47}"/>
-              </a:ext>
-            </a:extLst>
-          </p:cNvPr>
+          <p:cNvPr id="6" name="圖片 5"/>
           <p:cNvPicPr>
             <a:picLocks noChangeAspect="1"/>
           </p:cNvPicPr>
           <p:nvPr/>
         </p:nvPicPr>
-        <p:blipFill rotWithShape="1">
-          <a:blip r:embed="rId3" cstate="print">
-            <a:extLst>
-              <a:ext uri="{28A0092B-C50C-407E-A947-70E740481C1C}">
-                <a14:useLocalDpi xmlns:a14="http://schemas.microsoft.com/office/drawing/2010/main"/>
-              </a:ext>
-            </a:extLst>
-          </a:blip>
-          <a:srcRect b="-1"/>
-          <a:stretch/>
+        <p:blipFill>
+          <a:blip r:embed="rId2"/>
+          <a:stretch>
+            <a:fillRect/>
+          </a:stretch>
         </p:blipFill>
         <p:spPr>
           <a:xfrm>
-            <a:off x="20" y="10"/>
-            <a:ext cx="4657325" cy="6857990"/>
+            <a:off x="675150" y="3315173"/>
+            <a:ext cx="1647825" cy="1126012"/>
           </a:xfrm>
           <a:prstGeom prst="rect">
             <a:avLst/>
           </a:prstGeom>
         </p:spPr>
       </p:pic>
+      <p:pic>
+        <p:nvPicPr>
+          <p:cNvPr id="7" name="圖片 6"/>
+          <p:cNvPicPr>
+            <a:picLocks noChangeAspect="1"/>
+          </p:cNvPicPr>
+          <p:nvPr/>
+        </p:nvPicPr>
+        <p:blipFill>
+          <a:blip r:embed="rId3"/>
+          <a:stretch>
+            <a:fillRect/>
+          </a:stretch>
+        </p:blipFill>
+        <p:spPr>
+          <a:xfrm>
+            <a:off x="3058716" y="3315173"/>
+            <a:ext cx="1609725" cy="1143000"/>
+          </a:xfrm>
+          <a:prstGeom prst="rect">
+            <a:avLst/>
+          </a:prstGeom>
+        </p:spPr>
+      </p:pic>
+      <p:pic>
+        <p:nvPicPr>
+          <p:cNvPr id="8" name="圖片 7"/>
+          <p:cNvPicPr>
+            <a:picLocks noChangeAspect="1"/>
+          </p:cNvPicPr>
+          <p:nvPr/>
+        </p:nvPicPr>
+        <p:blipFill>
+          <a:blip r:embed="rId4"/>
+          <a:stretch>
+            <a:fillRect/>
+          </a:stretch>
+        </p:blipFill>
+        <p:spPr>
+          <a:xfrm>
+            <a:off x="7787748" y="3328429"/>
+            <a:ext cx="1609725" cy="1129744"/>
+          </a:xfrm>
+          <a:prstGeom prst="rect">
+            <a:avLst/>
+          </a:prstGeom>
+        </p:spPr>
+      </p:pic>
+      <p:pic>
+        <p:nvPicPr>
+          <p:cNvPr id="9" name="圖片 8"/>
+          <p:cNvPicPr>
+            <a:picLocks noChangeAspect="1"/>
+          </p:cNvPicPr>
+          <p:nvPr/>
+        </p:nvPicPr>
+        <p:blipFill>
+          <a:blip r:embed="rId5"/>
+          <a:stretch>
+            <a:fillRect/>
+          </a:stretch>
+        </p:blipFill>
+        <p:spPr>
+          <a:xfrm>
+            <a:off x="5404182" y="3311441"/>
+            <a:ext cx="1647825" cy="1146732"/>
+          </a:xfrm>
+          <a:prstGeom prst="rect">
+            <a:avLst/>
+          </a:prstGeom>
+        </p:spPr>
+      </p:pic>
+      <p:sp>
+        <p:nvSpPr>
+          <p:cNvPr id="10" name="矩形 9"/>
+          <p:cNvSpPr/>
+          <p:nvPr/>
+        </p:nvSpPr>
+        <p:spPr>
+          <a:xfrm>
+            <a:off x="10133215" y="3311441"/>
+            <a:ext cx="1645920" cy="1146732"/>
+          </a:xfrm>
+          <a:prstGeom prst="rect">
+            <a:avLst/>
+          </a:prstGeom>
+          <a:solidFill>
+            <a:srgbClr val="FFFEEB"/>
+          </a:solidFill>
+          <a:ln>
+            <a:noFill/>
+          </a:ln>
+        </p:spPr>
+        <p:style>
+          <a:lnRef idx="2">
+            <a:schemeClr val="accent1">
+              <a:shade val="50000"/>
+            </a:schemeClr>
+          </a:lnRef>
+          <a:fillRef idx="1">
+            <a:schemeClr val="accent1"/>
+          </a:fillRef>
+          <a:effectRef idx="0">
+            <a:schemeClr val="accent1"/>
+          </a:effectRef>
+          <a:fontRef idx="minor">
+            <a:schemeClr val="lt1"/>
+          </a:fontRef>
+        </p:style>
+        <p:txBody>
+          <a:bodyPr rtlCol="0" anchor="ctr"/>
+          <a:lstStyle/>
+          <a:p>
+            <a:pPr algn="ctr"/>
+            <a:endParaRPr lang="zh-TW" altLang="en-US"/>
+          </a:p>
+        </p:txBody>
+      </p:sp>
+      <p:sp>
+        <p:nvSpPr>
+          <p:cNvPr id="11" name="矩形 10"/>
+          <p:cNvSpPr/>
+          <p:nvPr/>
+        </p:nvSpPr>
+        <p:spPr>
+          <a:xfrm>
+            <a:off x="10333248" y="3700141"/>
+            <a:ext cx="1245855" cy="338554"/>
+          </a:xfrm>
+          <a:prstGeom prst="rect">
+            <a:avLst/>
+          </a:prstGeom>
+        </p:spPr>
+        <p:txBody>
+          <a:bodyPr wrap="none">
+            <a:spAutoFit/>
+          </a:bodyPr>
+          <a:lstStyle/>
+          <a:p>
+            <a:pPr algn="ctr"/>
+            <a:r>
+              <a:rPr lang="en-US" altLang="zh-TW" sz="1600" kern="1000" dirty="0" smtClean="0">
+                <a:solidFill>
+                  <a:schemeClr val="tx2"/>
+                </a:solidFill>
+                <a:latin typeface="Adobe 繁黑體 Std B" panose="020B0700000000000000" pitchFamily="34" charset="-120"/>
+                <a:ea typeface="Adobe 繁黑體 Std B" panose="020B0700000000000000" pitchFamily="34" charset="-120"/>
+              </a:rPr>
+              <a:t>#</a:t>
+            </a:r>
+            <a:r>
+              <a:rPr lang="zh-TW" altLang="en-US" sz="1600" kern="1000" dirty="0" smtClean="0">
+                <a:solidFill>
+                  <a:schemeClr val="tx2"/>
+                </a:solidFill>
+                <a:latin typeface="Adobe 繁黑體 Std B" panose="020B0700000000000000" pitchFamily="34" charset="-120"/>
+                <a:ea typeface="Adobe 繁黑體 Std B" panose="020B0700000000000000" pitchFamily="34" charset="-120"/>
+              </a:rPr>
+              <a:t> </a:t>
+            </a:r>
+            <a:r>
+              <a:rPr lang="en-US" altLang="zh-TW" sz="1600" kern="1000" dirty="0">
+                <a:solidFill>
+                  <a:schemeClr val="tx2"/>
+                </a:solidFill>
+                <a:latin typeface="Adobe 繁黑體 Std B" panose="020B0700000000000000" pitchFamily="34" charset="-120"/>
+                <a:ea typeface="Adobe 繁黑體 Std B" panose="020B0700000000000000" pitchFamily="34" charset="-120"/>
+              </a:rPr>
+              <a:t>F</a:t>
+            </a:r>
+            <a:r>
+              <a:rPr lang="zh-TW" altLang="en-US" sz="1600" kern="1000" dirty="0" smtClean="0">
+                <a:solidFill>
+                  <a:schemeClr val="tx2"/>
+                </a:solidFill>
+                <a:latin typeface="Adobe 繁黑體 Std B" panose="020B0700000000000000" pitchFamily="34" charset="-120"/>
+                <a:ea typeface="Adobe 繁黑體 Std B" panose="020B0700000000000000" pitchFamily="34" charset="-120"/>
+              </a:rPr>
+              <a:t> </a:t>
+            </a:r>
+            <a:r>
+              <a:rPr lang="en-US" altLang="zh-TW" sz="1600" kern="1000" dirty="0">
+                <a:solidFill>
+                  <a:schemeClr val="tx2"/>
+                </a:solidFill>
+                <a:latin typeface="Adobe 繁黑體 Std B" panose="020B0700000000000000" pitchFamily="34" charset="-120"/>
+                <a:ea typeface="Adobe 繁黑體 Std B" panose="020B0700000000000000" pitchFamily="34" charset="-120"/>
+              </a:rPr>
+              <a:t>F</a:t>
+            </a:r>
+            <a:r>
+              <a:rPr lang="zh-TW" altLang="en-US" sz="1600" kern="1000" dirty="0" smtClean="0">
+                <a:solidFill>
+                  <a:schemeClr val="tx2"/>
+                </a:solidFill>
+                <a:latin typeface="Adobe 繁黑體 Std B" panose="020B0700000000000000" pitchFamily="34" charset="-120"/>
+                <a:ea typeface="Adobe 繁黑體 Std B" panose="020B0700000000000000" pitchFamily="34" charset="-120"/>
+              </a:rPr>
+              <a:t> </a:t>
+            </a:r>
+            <a:r>
+              <a:rPr lang="en-US" altLang="zh-TW" sz="1600" kern="1000" dirty="0">
+                <a:solidFill>
+                  <a:schemeClr val="tx2"/>
+                </a:solidFill>
+                <a:latin typeface="Adobe 繁黑體 Std B" panose="020B0700000000000000" pitchFamily="34" charset="-120"/>
+                <a:ea typeface="Adobe 繁黑體 Std B" panose="020B0700000000000000" pitchFamily="34" charset="-120"/>
+              </a:rPr>
+              <a:t>F</a:t>
+            </a:r>
+            <a:r>
+              <a:rPr lang="zh-TW" altLang="en-US" sz="1600" kern="1000" dirty="0" smtClean="0">
+                <a:solidFill>
+                  <a:schemeClr val="tx2"/>
+                </a:solidFill>
+                <a:latin typeface="Adobe 繁黑體 Std B" panose="020B0700000000000000" pitchFamily="34" charset="-120"/>
+                <a:ea typeface="Adobe 繁黑體 Std B" panose="020B0700000000000000" pitchFamily="34" charset="-120"/>
+              </a:rPr>
+              <a:t> </a:t>
+            </a:r>
+            <a:r>
+              <a:rPr lang="en-US" altLang="zh-TW" sz="1600" kern="1000" dirty="0">
+                <a:solidFill>
+                  <a:schemeClr val="tx2"/>
+                </a:solidFill>
+                <a:latin typeface="Adobe 繁黑體 Std B" panose="020B0700000000000000" pitchFamily="34" charset="-120"/>
+                <a:ea typeface="Adobe 繁黑體 Std B" panose="020B0700000000000000" pitchFamily="34" charset="-120"/>
+              </a:rPr>
+              <a:t>E</a:t>
+            </a:r>
+            <a:r>
+              <a:rPr lang="zh-TW" altLang="en-US" sz="1600" kern="1000" dirty="0" smtClean="0">
+                <a:solidFill>
+                  <a:schemeClr val="tx2"/>
+                </a:solidFill>
+                <a:latin typeface="Adobe 繁黑體 Std B" panose="020B0700000000000000" pitchFamily="34" charset="-120"/>
+                <a:ea typeface="Adobe 繁黑體 Std B" panose="020B0700000000000000" pitchFamily="34" charset="-120"/>
+              </a:rPr>
+              <a:t> </a:t>
+            </a:r>
+            <a:r>
+              <a:rPr lang="en-US" altLang="zh-TW" sz="1600" kern="1000" dirty="0">
+                <a:solidFill>
+                  <a:schemeClr val="tx2"/>
+                </a:solidFill>
+                <a:latin typeface="Adobe 繁黑體 Std B" panose="020B0700000000000000" pitchFamily="34" charset="-120"/>
+                <a:ea typeface="Adobe 繁黑體 Std B" panose="020B0700000000000000" pitchFamily="34" charset="-120"/>
+              </a:rPr>
+              <a:t>E</a:t>
+            </a:r>
+            <a:r>
+              <a:rPr lang="zh-TW" altLang="en-US" sz="1600" kern="1000" dirty="0" smtClean="0">
+                <a:solidFill>
+                  <a:schemeClr val="tx2"/>
+                </a:solidFill>
+                <a:latin typeface="Adobe 繁黑體 Std B" panose="020B0700000000000000" pitchFamily="34" charset="-120"/>
+                <a:ea typeface="Adobe 繁黑體 Std B" panose="020B0700000000000000" pitchFamily="34" charset="-120"/>
+              </a:rPr>
+              <a:t> </a:t>
+            </a:r>
+            <a:r>
+              <a:rPr lang="en-US" altLang="zh-TW" sz="1600" kern="1000" dirty="0">
+                <a:solidFill>
+                  <a:schemeClr val="tx2"/>
+                </a:solidFill>
+                <a:latin typeface="Adobe 繁黑體 Std B" panose="020B0700000000000000" pitchFamily="34" charset="-120"/>
+                <a:ea typeface="Adobe 繁黑體 Std B" panose="020B0700000000000000" pitchFamily="34" charset="-120"/>
+              </a:rPr>
+              <a:t>B</a:t>
+            </a:r>
+            <a:endParaRPr lang="zh-TW" altLang="en-US" sz="1600" kern="1000" dirty="0">
+              <a:solidFill>
+                <a:schemeClr val="tx2"/>
+              </a:solidFill>
+              <a:latin typeface="Adobe 繁黑體 Std B" panose="020B0700000000000000" pitchFamily="34" charset="-120"/>
+              <a:ea typeface="Adobe 繁黑體 Std B" panose="020B0700000000000000" pitchFamily="34" charset="-120"/>
+            </a:endParaRPr>
+          </a:p>
+        </p:txBody>
+      </p:sp>
     </p:spTree>
     <p:extLst>
       <p:ext uri="{BB962C8B-B14F-4D97-AF65-F5344CB8AC3E}">
-        <p14:creationId xmlns:p14="http://schemas.microsoft.com/office/powerpoint/2010/main" val="2673849116"/>
+        <p14:creationId xmlns:p14="http://schemas.microsoft.com/office/powerpoint/2010/main" val="2612461071"/>
       </p:ext>
     </p:extLst>
   </p:cSld>
   <p:clrMapOvr>
     <a:masterClrMapping/>
   </p:clrMapOvr>
-  <p:timing>
-    <p:tnLst>
-      <p:par>
-        <p:cTn id="1" dur="indefinite" restart="never" nodeType="tmRoot"/>
-      </p:par>
-    </p:tnLst>
-  </p:timing>
 </p:sld>
 </file>
 
@@ -7594,20 +8726,20 @@
 </file>
 
 <file path=customXml/item2.xml><?xml version="1.0" encoding="utf-8"?>
+<p:properties xmlns:p="http://schemas.microsoft.com/office/2006/metadata/properties" xmlns:xsi="http://www.w3.org/2001/XMLSchema-instance" xmlns:pc="http://schemas.microsoft.com/office/infopath/2007/PartnerControls">
+  <documentManagement>
+    <MediaServiceKeyPoints xmlns="71af3243-3dd4-4a8d-8c0d-dd76da1f02a5" xsi:nil="true"/>
+  </documentManagement>
+</p:properties>
+</file>
+
+<file path=customXml/item3.xml><?xml version="1.0" encoding="utf-8"?>
 <?mso-contentType ?>
 <FormTemplates xmlns="http://schemas.microsoft.com/sharepoint/v3/contenttype/forms">
   <Display>DocumentLibraryForm</Display>
   <Edit>DocumentLibraryForm</Edit>
   <New>DocumentLibraryForm</New>
 </FormTemplates>
-</file>
-
-<file path=customXml/item3.xml><?xml version="1.0" encoding="utf-8"?>
-<p:properties xmlns:p="http://schemas.microsoft.com/office/2006/metadata/properties" xmlns:xsi="http://www.w3.org/2001/XMLSchema-instance" xmlns:pc="http://schemas.microsoft.com/office/infopath/2007/PartnerControls">
-  <documentManagement>
-    <MediaServiceKeyPoints xmlns="71af3243-3dd4-4a8d-8c0d-dd76da1f02a5" xsi:nil="true"/>
-  </documentManagement>
-</p:properties>
 </file>
 
 <file path=customXml/itemProps1.xml><?xml version="1.0" encoding="utf-8"?>
@@ -7630,14 +8762,6 @@
 </file>
 
 <file path=customXml/itemProps2.xml><?xml version="1.0" encoding="utf-8"?>
-<ds:datastoreItem xmlns:ds="http://schemas.openxmlformats.org/officeDocument/2006/customXml" ds:itemID="{3E17AD15-0DEB-4851-82A2-261C041346DD}">
-  <ds:schemaRefs>
-    <ds:schemaRef ds:uri="http://schemas.microsoft.com/sharepoint/v3/contenttype/forms"/>
-  </ds:schemaRefs>
-</ds:datastoreItem>
-</file>
-
-<file path=customXml/itemProps3.xml><?xml version="1.0" encoding="utf-8"?>
 <ds:datastoreItem xmlns:ds="http://schemas.openxmlformats.org/officeDocument/2006/customXml" ds:itemID="{620ED59B-F67D-4B99-A0A7-E5237FF58100}">
   <ds:schemaRefs>
     <ds:schemaRef ds:uri="http://www.w3.org/XML/1998/namespace"/>
@@ -7652,4 +8776,12 @@
     <ds:schemaRef ds:uri="http://purl.org/dc/terms/"/>
   </ds:schemaRefs>
 </ds:datastoreItem>
+</file>
+
+<file path=customXml/itemProps3.xml><?xml version="1.0" encoding="utf-8"?>
+<ds:datastoreItem xmlns:ds="http://schemas.openxmlformats.org/officeDocument/2006/customXml" ds:itemID="{3E17AD15-0DEB-4851-82A2-261C041346DD}">
+  <ds:schemaRefs>
+    <ds:schemaRef ds:uri="http://schemas.microsoft.com/sharepoint/v3/contenttype/forms"/>
+  </ds:schemaRefs>
+</ds:datastoreItem>
 </file>
--- a/無人自助旅店期初報告.pptx
+++ b/無人自助旅店期初報告.pptx
@@ -12,7 +12,7 @@
   </p:handoutMasterIdLst>
   <p:sldIdLst>
     <p:sldId id="256" r:id="rId5"/>
-    <p:sldId id="257" r:id="rId6"/>
+    <p:sldId id="273" r:id="rId6"/>
     <p:sldId id="258" r:id="rId7"/>
     <p:sldId id="266" r:id="rId8"/>
     <p:sldId id="259" r:id="rId9"/>
@@ -221,7 +221,7 @@
                 <a:latin typeface="Microsoft JhengHei UI" panose="020B0604030504040204" pitchFamily="34" charset="-120"/>
                 <a:ea typeface="Microsoft JhengHei UI" panose="020B0604030504040204" pitchFamily="34" charset="-120"/>
               </a:rPr>
-              <a:t>2024/7/15</a:t>
+              <a:t>2024/8/27</a:t>
             </a:fld>
             <a:endParaRPr lang="zh-TW" altLang="en-US" dirty="0">
               <a:latin typeface="Microsoft JhengHei UI" panose="020B0604030504040204" pitchFamily="34" charset="-120"/>
@@ -405,7 +405,7 @@
             <a:fld id="{E6E9EED9-0127-4FBD-A93C-DC61122A24A7}" type="datetime1">
               <a:rPr lang="zh-TW" altLang="en-US" smtClean="0"/>
               <a:pPr/>
-              <a:t>2024/7/15</a:t>
+              <a:t>2024/8/27</a:t>
             </a:fld>
             <a:endParaRPr lang="zh-TW" altLang="en-US" dirty="0"/>
           </a:p>
@@ -856,7 +856,7 @@
     </p:spTree>
     <p:extLst>
       <p:ext uri="{BB962C8B-B14F-4D97-AF65-F5344CB8AC3E}">
-        <p14:creationId xmlns:p14="http://schemas.microsoft.com/office/powerpoint/2010/main" val="1246632067"/>
+        <p14:creationId xmlns:p14="http://schemas.microsoft.com/office/powerpoint/2010/main" val="300798315"/>
       </p:ext>
     </p:extLst>
   </p:cSld>
@@ -1516,7 +1516,7 @@
           <a:p>
             <a:fld id="{72E8DC12-3EDD-4576-A229-C632BD19E51B}" type="datetime1">
               <a:rPr lang="zh-TW" altLang="en-US" smtClean="0"/>
-              <a:t>2024/7/15</a:t>
+              <a:t>2024/8/27</a:t>
             </a:fld>
             <a:endParaRPr lang="zh-TW" altLang="en-US" dirty="0"/>
           </a:p>
@@ -1692,7 +1692,7 @@
           <a:p>
             <a:fld id="{BDC933DB-C293-4C93-A177-BA55781463B3}" type="datetime1">
               <a:rPr lang="zh-TW" altLang="en-US" smtClean="0"/>
-              <a:t>2024/7/15</a:t>
+              <a:t>2024/8/27</a:t>
             </a:fld>
             <a:endParaRPr lang="zh-TW" altLang="en-US" dirty="0"/>
           </a:p>
@@ -1878,7 +1878,7 @@
           <a:p>
             <a:fld id="{5C8F9985-BA86-4722-83A6-1A01E4A067EE}" type="datetime1">
               <a:rPr lang="zh-TW" altLang="en-US" smtClean="0"/>
-              <a:t>2024/7/15</a:t>
+              <a:t>2024/8/27</a:t>
             </a:fld>
             <a:endParaRPr lang="zh-TW" altLang="en-US" dirty="0"/>
           </a:p>
@@ -2054,7 +2054,7 @@
           <a:p>
             <a:fld id="{049A67FE-C077-437B-A0CD-829DD14808B9}" type="datetime1">
               <a:rPr lang="zh-TW" altLang="en-US" smtClean="0"/>
-              <a:t>2024/7/15</a:t>
+              <a:t>2024/8/27</a:t>
             </a:fld>
             <a:endParaRPr lang="zh-TW" altLang="en-US" dirty="0"/>
           </a:p>
@@ -2307,7 +2307,7 @@
           <a:p>
             <a:fld id="{E93783A1-1DB2-4BCC-B8B4-0EC372787024}" type="datetime1">
               <a:rPr lang="zh-TW" altLang="en-US" smtClean="0"/>
-              <a:t>2024/7/15</a:t>
+              <a:t>2024/8/27</a:t>
             </a:fld>
             <a:endParaRPr lang="zh-TW" altLang="en-US" dirty="0"/>
           </a:p>
@@ -2545,7 +2545,7 @@
           <a:p>
             <a:fld id="{049A67FE-C077-437B-A0CD-829DD14808B9}" type="datetime1">
               <a:rPr lang="zh-TW" altLang="en-US" smtClean="0"/>
-              <a:t>2024/7/15</a:t>
+              <a:t>2024/8/27</a:t>
             </a:fld>
             <a:endParaRPr lang="zh-TW" altLang="en-US" dirty="0"/>
           </a:p>
@@ -2919,7 +2919,7 @@
           <a:p>
             <a:fld id="{049A67FE-C077-437B-A0CD-829DD14808B9}" type="datetime1">
               <a:rPr lang="zh-TW" altLang="en-US" smtClean="0"/>
-              <a:t>2024/7/15</a:t>
+              <a:t>2024/8/27</a:t>
             </a:fld>
             <a:endParaRPr lang="zh-TW" altLang="en-US" dirty="0"/>
           </a:p>
@@ -3044,7 +3044,7 @@
           <a:p>
             <a:fld id="{43AC82BF-C068-416C-95F7-E8C1215BD5E1}" type="datetime1">
               <a:rPr lang="zh-TW" altLang="en-US" smtClean="0"/>
-              <a:t>2024/7/15</a:t>
+              <a:t>2024/8/27</a:t>
             </a:fld>
             <a:endParaRPr lang="zh-TW" altLang="en-US" dirty="0"/>
           </a:p>
@@ -3145,7 +3145,7 @@
           <a:p>
             <a:fld id="{1D37B2F8-9E55-4FAF-AC10-7D00EA74E34B}" type="datetime1">
               <a:rPr lang="zh-TW" altLang="en-US" smtClean="0"/>
-              <a:t>2024/7/15</a:t>
+              <a:t>2024/8/27</a:t>
             </a:fld>
             <a:endParaRPr lang="zh-TW" altLang="en-US" dirty="0"/>
           </a:p>
@@ -3428,7 +3428,7 @@
           <a:p>
             <a:fld id="{152445A0-C2A9-4E62-8F25-B271C701A76A}" type="datetime1">
               <a:rPr lang="zh-TW" altLang="en-US" smtClean="0"/>
-              <a:t>2024/7/15</a:t>
+              <a:t>2024/8/27</a:t>
             </a:fld>
             <a:endParaRPr lang="zh-TW" altLang="en-US" dirty="0"/>
           </a:p>
@@ -3687,7 +3687,7 @@
           <a:p>
             <a:fld id="{D5E3E318-1202-46BE-889E-DC2C9EE8B7C4}" type="datetime1">
               <a:rPr lang="zh-TW" altLang="en-US" smtClean="0"/>
-              <a:t>2024/7/15</a:t>
+              <a:t>2024/8/27</a:t>
             </a:fld>
             <a:endParaRPr lang="zh-TW" altLang="en-US" dirty="0"/>
           </a:p>
@@ -3906,7 +3906,7 @@
           <a:p>
             <a:fld id="{049A67FE-C077-437B-A0CD-829DD14808B9}" type="datetime1">
               <a:rPr lang="zh-TW" altLang="en-US" smtClean="0"/>
-              <a:t>2024/7/15</a:t>
+              <a:t>2024/8/27</a:t>
             </a:fld>
             <a:endParaRPr lang="zh-TW" altLang="en-US" dirty="0"/>
           </a:p>
@@ -5355,7 +5355,7 @@
     </p:spTree>
     <p:extLst>
       <p:ext uri="{BB962C8B-B14F-4D97-AF65-F5344CB8AC3E}">
-        <p14:creationId xmlns:p14="http://schemas.microsoft.com/office/powerpoint/2010/main" val="3424314505"/>
+        <p14:creationId xmlns:p14="http://schemas.microsoft.com/office/powerpoint/2010/main" val="1463837996"/>
       </p:ext>
     </p:extLst>
   </p:cSld>
@@ -6726,11 +6726,7 @@
             </a:pPr>
             <a:r>
               <a:rPr lang="zh-TW" altLang="en-US" sz="3200" dirty="0" smtClean="0"/>
-              <a:t>後臺管理</a:t>
-            </a:r>
-            <a:r>
-              <a:rPr lang="zh-TW" altLang="en-US" sz="3200" dirty="0" smtClean="0"/>
-              <a:t>功能</a:t>
+              <a:t>後臺管理功能</a:t>
             </a:r>
             <a:endParaRPr lang="en-US" altLang="zh-TW" sz="3200" dirty="0" smtClean="0"/>
           </a:p>
@@ -6748,11 +6744,7 @@
             </a:pPr>
             <a:r>
               <a:rPr lang="en-US" altLang="zh-TW" sz="2400" dirty="0" smtClean="0"/>
-              <a:t>1</a:t>
-            </a:r>
-            <a:r>
-              <a:rPr lang="en-US" altLang="zh-TW" sz="2400" dirty="0" smtClean="0"/>
-              <a:t>.</a:t>
+              <a:t>1.</a:t>
             </a:r>
             <a:r>
               <a:rPr lang="zh-TW" altLang="en-US" sz="2400" dirty="0" smtClean="0"/>
@@ -8515,6 +8507,14 @@
 </file>
 
 <file path=customXml/item1.xml><?xml version="1.0" encoding="utf-8"?>
+<p:properties xmlns:p="http://schemas.microsoft.com/office/2006/metadata/properties" xmlns:xsi="http://www.w3.org/2001/XMLSchema-instance" xmlns:pc="http://schemas.microsoft.com/office/infopath/2007/PartnerControls">
+  <documentManagement>
+    <MediaServiceKeyPoints xmlns="71af3243-3dd4-4a8d-8c0d-dd76da1f02a5" xsi:nil="true"/>
+  </documentManagement>
+</p:properties>
+</file>
+
+<file path=customXml/item2.xml><?xml version="1.0" encoding="utf-8"?>
 <ct:contentTypeSchema xmlns:ct="http://schemas.microsoft.com/office/2006/metadata/contentType" xmlns:ma="http://schemas.microsoft.com/office/2006/metadata/properties/metaAttributes" ct:_="" ma:_="" ma:contentTypeName="Document" ma:contentTypeID="0x01010079F111ED35F8CC479449609E8A0923A6" ma:contentTypeVersion="11" ma:contentTypeDescription="Create a new document." ma:contentTypeScope="" ma:versionID="1c2eb7a32e66fb6e4260f3771546a5e2">
   <xsd:schema xmlns:xsd="http://www.w3.org/2001/XMLSchema" xmlns:xs="http://www.w3.org/2001/XMLSchema" xmlns:p="http://schemas.microsoft.com/office/2006/metadata/properties" xmlns:ns2="71af3243-3dd4-4a8d-8c0d-dd76da1f02a5" xmlns:ns3="16c05727-aa75-4e4a-9b5f-8a80a1165891" targetNamespace="http://schemas.microsoft.com/office/2006/metadata/properties" ma:root="true" ma:fieldsID="04e1f6479c48b08974ba73b5ca973489" ns2:_="" ns3:_="">
     <xsd:import namespace="71af3243-3dd4-4a8d-8c0d-dd76da1f02a5"/>
@@ -8725,14 +8725,6 @@
 </ct:contentTypeSchema>
 </file>
 
-<file path=customXml/item2.xml><?xml version="1.0" encoding="utf-8"?>
-<p:properties xmlns:p="http://schemas.microsoft.com/office/2006/metadata/properties" xmlns:xsi="http://www.w3.org/2001/XMLSchema-instance" xmlns:pc="http://schemas.microsoft.com/office/infopath/2007/PartnerControls">
-  <documentManagement>
-    <MediaServiceKeyPoints xmlns="71af3243-3dd4-4a8d-8c0d-dd76da1f02a5" xsi:nil="true"/>
-  </documentManagement>
-</p:properties>
-</file>
-
 <file path=customXml/item3.xml><?xml version="1.0" encoding="utf-8"?>
 <?mso-contentType ?>
 <FormTemplates xmlns="http://schemas.microsoft.com/sharepoint/v3/contenttype/forms">
@@ -8743,6 +8735,23 @@
 </file>
 
 <file path=customXml/itemProps1.xml><?xml version="1.0" encoding="utf-8"?>
+<ds:datastoreItem xmlns:ds="http://schemas.openxmlformats.org/officeDocument/2006/customXml" ds:itemID="{620ED59B-F67D-4B99-A0A7-E5237FF58100}">
+  <ds:schemaRefs>
+    <ds:schemaRef ds:uri="http://www.w3.org/XML/1998/namespace"/>
+    <ds:schemaRef ds:uri="16c05727-aa75-4e4a-9b5f-8a80a1165891"/>
+    <ds:schemaRef ds:uri="http://purl.org/dc/elements/1.1/"/>
+    <ds:schemaRef ds:uri="71af3243-3dd4-4a8d-8c0d-dd76da1f02a5"/>
+    <ds:schemaRef ds:uri="http://schemas.openxmlformats.org/package/2006/metadata/core-properties"/>
+    <ds:schemaRef ds:uri="http://schemas.microsoft.com/office/infopath/2007/PartnerControls"/>
+    <ds:schemaRef ds:uri="http://schemas.microsoft.com/office/2006/documentManagement/types"/>
+    <ds:schemaRef ds:uri="http://schemas.microsoft.com/office/2006/metadata/properties"/>
+    <ds:schemaRef ds:uri="http://purl.org/dc/dcmitype/"/>
+    <ds:schemaRef ds:uri="http://purl.org/dc/terms/"/>
+  </ds:schemaRefs>
+</ds:datastoreItem>
+</file>
+
+<file path=customXml/itemProps2.xml><?xml version="1.0" encoding="utf-8"?>
 <ds:datastoreItem xmlns:ds="http://schemas.openxmlformats.org/officeDocument/2006/customXml" ds:itemID="{22736BCB-6CE4-414B-B2BE-1DA087E5215C}">
   <ds:schemaRefs>
     <ds:schemaRef ds:uri="http://schemas.microsoft.com/office/2006/metadata/contentType"/>
@@ -8761,23 +8770,6 @@
 </ds:datastoreItem>
 </file>
 
-<file path=customXml/itemProps2.xml><?xml version="1.0" encoding="utf-8"?>
-<ds:datastoreItem xmlns:ds="http://schemas.openxmlformats.org/officeDocument/2006/customXml" ds:itemID="{620ED59B-F67D-4B99-A0A7-E5237FF58100}">
-  <ds:schemaRefs>
-    <ds:schemaRef ds:uri="http://www.w3.org/XML/1998/namespace"/>
-    <ds:schemaRef ds:uri="16c05727-aa75-4e4a-9b5f-8a80a1165891"/>
-    <ds:schemaRef ds:uri="http://purl.org/dc/elements/1.1/"/>
-    <ds:schemaRef ds:uri="71af3243-3dd4-4a8d-8c0d-dd76da1f02a5"/>
-    <ds:schemaRef ds:uri="http://schemas.openxmlformats.org/package/2006/metadata/core-properties"/>
-    <ds:schemaRef ds:uri="http://schemas.microsoft.com/office/infopath/2007/PartnerControls"/>
-    <ds:schemaRef ds:uri="http://schemas.microsoft.com/office/2006/documentManagement/types"/>
-    <ds:schemaRef ds:uri="http://schemas.microsoft.com/office/2006/metadata/properties"/>
-    <ds:schemaRef ds:uri="http://purl.org/dc/dcmitype/"/>
-    <ds:schemaRef ds:uri="http://purl.org/dc/terms/"/>
-  </ds:schemaRefs>
-</ds:datastoreItem>
-</file>
-
 <file path=customXml/itemProps3.xml><?xml version="1.0" encoding="utf-8"?>
 <ds:datastoreItem xmlns:ds="http://schemas.openxmlformats.org/officeDocument/2006/customXml" ds:itemID="{3E17AD15-0DEB-4851-82A2-261C041346DD}">
   <ds:schemaRefs>
